--- a/chapter 01 - Linear regression with one variable/Programming Task/LinearRegression.pptx
+++ b/chapter 01 - Linear regression with one variable/Programming Task/LinearRegression.pptx
@@ -5,7 +5,7 @@
     <p:sldMasterId id="2147483648" r:id="rId1"/>
   </p:sldMasterIdLst>
   <p:notesMasterIdLst>
-    <p:notesMasterId r:id="rId19"/>
+    <p:notesMasterId r:id="rId25"/>
   </p:notesMasterIdLst>
   <p:sldIdLst>
     <p:sldId id="256" r:id="rId2"/>
@@ -20,29 +20,35 @@
     <p:sldId id="265" r:id="rId11"/>
     <p:sldId id="266" r:id="rId12"/>
     <p:sldId id="267" r:id="rId13"/>
-    <p:sldId id="268" r:id="rId14"/>
-    <p:sldId id="269" r:id="rId15"/>
-    <p:sldId id="270" r:id="rId16"/>
-    <p:sldId id="271" r:id="rId17"/>
-    <p:sldId id="272" r:id="rId18"/>
+    <p:sldId id="273" r:id="rId14"/>
+    <p:sldId id="274" r:id="rId15"/>
+    <p:sldId id="275" r:id="rId16"/>
+    <p:sldId id="268" r:id="rId17"/>
+    <p:sldId id="269" r:id="rId18"/>
+    <p:sldId id="270" r:id="rId19"/>
+    <p:sldId id="271" r:id="rId20"/>
+    <p:sldId id="272" r:id="rId21"/>
+    <p:sldId id="276" r:id="rId22"/>
+    <p:sldId id="277" r:id="rId23"/>
+    <p:sldId id="278" r:id="rId24"/>
   </p:sldIdLst>
   <p:sldSz cx="9144000" cy="6858000" type="screen4x3"/>
   <p:notesSz cx="6858000" cy="9144000"/>
   <p:embeddedFontLst>
     <p:embeddedFont>
       <p:font typeface="Calibri" panose="020F0502020204030204" pitchFamily="34" charset="0"/>
-      <p:regular r:id="rId20"/>
-      <p:bold r:id="rId21"/>
-      <p:italic r:id="rId22"/>
-      <p:boldItalic r:id="rId23"/>
+      <p:regular r:id="rId26"/>
+      <p:bold r:id="rId27"/>
+      <p:italic r:id="rId28"/>
+      <p:boldItalic r:id="rId29"/>
+    </p:embeddedFont>
+    <p:embeddedFont>
+      <p:font typeface="腾祥嘉丽线黑简" panose="02010600030101010101" charset="-122"/>
+      <p:regular r:id="rId30"/>
     </p:embeddedFont>
     <p:embeddedFont>
       <p:font typeface="Open Sans Light" panose="020B0604020202020204" charset="0"/>
-      <p:regular r:id="rId24"/>
-    </p:embeddedFont>
-    <p:embeddedFont>
-      <p:font typeface="腾祥嘉丽线黑简" panose="02010600030101010101" charset="-122"/>
-      <p:regular r:id="rId25"/>
+      <p:regular r:id="rId31"/>
     </p:embeddedFont>
   </p:embeddedFontLst>
   <p:defaultTextStyle>
@@ -141,6 +147,37 @@
     </a:lvl9pPr>
   </p:defaultTextStyle>
   <p:extLst>
+    <p:ext uri="{521415D9-36F7-43E2-AB2F-B90AF26B5E84}">
+      <p14:sectionLst xmlns:p14="http://schemas.microsoft.com/office/powerpoint/2010/main">
+        <p14:section name="默认节" id="{C9413E27-480E-44F8-ADC2-8EFA8040CBBF}">
+          <p14:sldIdLst>
+            <p14:sldId id="256"/>
+            <p14:sldId id="260"/>
+            <p14:sldId id="257"/>
+            <p14:sldId id="258"/>
+            <p14:sldId id="259"/>
+            <p14:sldId id="261"/>
+            <p14:sldId id="262"/>
+            <p14:sldId id="263"/>
+            <p14:sldId id="264"/>
+            <p14:sldId id="265"/>
+            <p14:sldId id="266"/>
+            <p14:sldId id="267"/>
+            <p14:sldId id="273"/>
+            <p14:sldId id="274"/>
+            <p14:sldId id="275"/>
+            <p14:sldId id="268"/>
+            <p14:sldId id="269"/>
+            <p14:sldId id="270"/>
+            <p14:sldId id="271"/>
+            <p14:sldId id="272"/>
+            <p14:sldId id="276"/>
+            <p14:sldId id="277"/>
+            <p14:sldId id="278"/>
+          </p14:sldIdLst>
+        </p14:section>
+      </p14:sectionLst>
+    </p:ext>
     <p:ext uri="{EFAFB233-063F-42B5-8137-9DF3F51BA10A}">
       <p15:sldGuideLst xmlns:p15="http://schemas.microsoft.com/office/powerpoint/2012/main">
         <p15:guide id="1" orient="horz" pos="2160">
@@ -241,7 +278,7 @@
           <a:p>
             <a:fld id="{E91DDA70-9ABB-48BD-AFA1-521354C93EB2}" type="datetimeFigureOut">
               <a:rPr lang="zh-CN" altLang="en-US" smtClean="0"/>
-              <a:t>2018/3/8</a:t>
+              <a:t>2018/3/10</a:t>
             </a:fld>
             <a:endParaRPr lang="zh-CN" altLang="en-US"/>
           </a:p>
@@ -707,7 +744,7 @@
           <a:p>
             <a:fld id="{BF353E24-75C5-4466-B8AD-0A8FC8EA8740}" type="datetimeFigureOut">
               <a:rPr lang="zh-CN" altLang="en-US" smtClean="0"/>
-              <a:t>2018/3/8</a:t>
+              <a:t>2018/3/10</a:t>
             </a:fld>
             <a:endParaRPr lang="zh-CN" altLang="en-US"/>
           </a:p>
@@ -1515,7 +1552,7 @@
           <a:p>
             <a:fld id="{BF353E24-75C5-4466-B8AD-0A8FC8EA8740}" type="datetimeFigureOut">
               <a:rPr lang="zh-CN" altLang="en-US" smtClean="0"/>
-              <a:t>2018/3/8</a:t>
+              <a:t>2018/3/10</a:t>
             </a:fld>
             <a:endParaRPr lang="zh-CN" altLang="en-US"/>
           </a:p>
@@ -1886,7 +1923,7 @@
             <a:fld id="{BF353E24-75C5-4466-B8AD-0A8FC8EA8740}" type="datetimeFigureOut">
               <a:rPr lang="zh-CN" altLang="en-US" smtClean="0"/>
               <a:pPr/>
-              <a:t>2018/3/8</a:t>
+              <a:t>2018/3/10</a:t>
             </a:fld>
             <a:endParaRPr lang="zh-CN" altLang="en-US" dirty="0"/>
           </a:p>
@@ -2483,7 +2520,7 @@
           <a:p>
             <a:fld id="{BF353E24-75C5-4466-B8AD-0A8FC8EA8740}" type="datetimeFigureOut">
               <a:rPr lang="zh-CN" altLang="en-US" smtClean="0"/>
-              <a:t>2018/3/8</a:t>
+              <a:t>2018/3/10</a:t>
             </a:fld>
             <a:endParaRPr lang="zh-CN" altLang="en-US"/>
           </a:p>
@@ -2913,7 +2950,7 @@
           <a:p>
             <a:fld id="{BF353E24-75C5-4466-B8AD-0A8FC8EA8740}" type="datetimeFigureOut">
               <a:rPr lang="zh-CN" altLang="en-US" smtClean="0"/>
-              <a:t>2018/3/8</a:t>
+              <a:t>2018/3/10</a:t>
             </a:fld>
             <a:endParaRPr lang="zh-CN" altLang="en-US"/>
           </a:p>
@@ -3812,7 +3849,7 @@
           <a:p>
             <a:fld id="{BF353E24-75C5-4466-B8AD-0A8FC8EA8740}" type="datetimeFigureOut">
               <a:rPr lang="zh-CN" altLang="en-US" smtClean="0"/>
-              <a:t>2018/3/8</a:t>
+              <a:t>2018/3/10</a:t>
             </a:fld>
             <a:endParaRPr lang="zh-CN" altLang="en-US"/>
           </a:p>
@@ -4198,7 +4235,7 @@
           <a:p>
             <a:fld id="{BF353E24-75C5-4466-B8AD-0A8FC8EA8740}" type="datetimeFigureOut">
               <a:rPr lang="zh-CN" altLang="en-US" smtClean="0"/>
-              <a:t>2018/3/8</a:t>
+              <a:t>2018/3/10</a:t>
             </a:fld>
             <a:endParaRPr lang="zh-CN" altLang="en-US"/>
           </a:p>
@@ -4413,7 +4450,7 @@
           <a:p>
             <a:fld id="{BF353E24-75C5-4466-B8AD-0A8FC8EA8740}" type="datetimeFigureOut">
               <a:rPr lang="zh-CN" altLang="en-US" smtClean="0"/>
-              <a:t>2018/3/8</a:t>
+              <a:t>2018/3/10</a:t>
             </a:fld>
             <a:endParaRPr lang="zh-CN" altLang="en-US"/>
           </a:p>
@@ -4647,7 +4684,7 @@
             <a:fld id="{BF353E24-75C5-4466-B8AD-0A8FC8EA8740}" type="datetimeFigureOut">
               <a:rPr lang="zh-CN" altLang="en-US" smtClean="0"/>
               <a:pPr/>
-              <a:t>2018/3/8</a:t>
+              <a:t>2018/3/10</a:t>
             </a:fld>
             <a:endParaRPr lang="zh-CN" altLang="en-US"/>
           </a:p>
@@ -5731,7 +5768,9 @@
         </p:nvSpPr>
         <p:spPr/>
         <p:txBody>
-          <a:bodyPr/>
+          <a:bodyPr>
+            <a:normAutofit/>
+          </a:bodyPr>
           <a:lstStyle/>
           <a:p>
             <a:pPr marL="342900" indent="-342900">
@@ -5739,26 +5778,13 @@
               <a:buChar char="l"/>
             </a:pPr>
             <a:r>
-              <a:rPr lang="zh-CN" altLang="en-US" dirty="0"/>
-              <a:t>使用</a:t>
-            </a:r>
-            <a:r>
-              <a:rPr lang="en-US" altLang="zh-CN" dirty="0"/>
-              <a:t>sklearn</a:t>
-            </a:r>
-            <a:r>
-              <a:rPr lang="zh-CN" altLang="en-US" dirty="0"/>
-              <a:t>和</a:t>
-            </a:r>
-            <a:r>
-              <a:rPr lang="en-US" altLang="zh-CN" dirty="0"/>
-              <a:t>TensorFlow</a:t>
-            </a:r>
-            <a:r>
-              <a:rPr lang="zh-CN" altLang="en-US" dirty="0"/>
-              <a:t>两种方式实现线性回归</a:t>
-            </a:r>
-            <a:endParaRPr lang="en-US" altLang="zh-CN" dirty="0"/>
+              <a:rPr lang="en-US" altLang="zh-CN" dirty="0"/>
+              <a:t>Loading </a:t>
+            </a:r>
+            <a:r>
+              <a:rPr lang="en-US" altLang="zh-CN" dirty="0" smtClean="0"/>
+              <a:t>Data</a:t>
+            </a:r>
           </a:p>
           <a:p>
             <a:pPr marL="342900" indent="-342900">
@@ -5766,21 +5792,105 @@
               <a:buChar char="l"/>
             </a:pPr>
             <a:r>
-              <a:rPr lang="zh-CN" altLang="en-US" dirty="0"/>
-              <a:t>训练数据存放</a:t>
-            </a:r>
-            <a:r>
-              <a:rPr lang="zh-CN" altLang="en-US" dirty="0" smtClean="0"/>
-              <a:t>在</a:t>
-            </a:r>
-            <a:r>
-              <a:rPr lang="en-US" altLang="zh-CN" dirty="0" smtClean="0"/>
-              <a:t>multiple_variable.txt</a:t>
-            </a:r>
-            <a:r>
-              <a:rPr lang="zh-CN" altLang="en-US" dirty="0"/>
-              <a:t>中</a:t>
-            </a:r>
+              <a:rPr lang="en-US" altLang="zh-CN" dirty="0" smtClean="0"/>
+              <a:t>As same as Sklearn version</a:t>
+            </a:r>
+          </a:p>
+          <a:p>
+            <a:pPr marL="342900" indent="-342900">
+              <a:buFont typeface="Wingdings" panose="05000000000000000000" pitchFamily="2" charset="2"/>
+              <a:buChar char="l"/>
+            </a:pPr>
+            <a:endParaRPr lang="en-US" altLang="zh-CN" dirty="0"/>
+          </a:p>
+          <a:p>
+            <a:r>
+              <a:rPr lang="en-US" altLang="zh-CN" dirty="0" err="1"/>
+              <a:t>file_name</a:t>
+            </a:r>
+            <a:r>
+              <a:rPr lang="en-US" altLang="zh-CN" dirty="0"/>
+              <a:t> = </a:t>
+            </a:r>
+            <a:r>
+              <a:rPr lang="en-US" altLang="zh-CN" dirty="0" err="1"/>
+              <a:t>os.path.join</a:t>
+            </a:r>
+            <a:r>
+              <a:rPr lang="en-US" altLang="zh-CN" dirty="0"/>
+              <a:t>('data', 'one_variable.txt')</a:t>
+            </a:r>
+          </a:p>
+          <a:p>
+            <a:r>
+              <a:rPr lang="en-US" altLang="zh-CN" dirty="0"/>
+              <a:t>data = </a:t>
+            </a:r>
+            <a:r>
+              <a:rPr lang="en-US" altLang="zh-CN" dirty="0" err="1"/>
+              <a:t>pd.read_table</a:t>
+            </a:r>
+            <a:r>
+              <a:rPr lang="en-US" altLang="zh-CN" dirty="0"/>
+              <a:t>(</a:t>
+            </a:r>
+            <a:r>
+              <a:rPr lang="en-US" altLang="zh-CN" dirty="0" err="1"/>
+              <a:t>file_name</a:t>
+            </a:r>
+            <a:r>
+              <a:rPr lang="en-US" altLang="zh-CN" dirty="0"/>
+              <a:t>, </a:t>
+            </a:r>
+            <a:r>
+              <a:rPr lang="en-US" altLang="zh-CN" dirty="0" err="1"/>
+              <a:t>sep</a:t>
+            </a:r>
+            <a:r>
+              <a:rPr lang="en-US" altLang="zh-CN" dirty="0"/>
+              <a:t>='\t', header=None, quoting=3)</a:t>
+            </a:r>
+          </a:p>
+          <a:p>
+            <a:endParaRPr lang="en-US" altLang="zh-CN" dirty="0"/>
+          </a:p>
+          <a:p>
+            <a:r>
+              <a:rPr lang="en-US" altLang="zh-CN" dirty="0" err="1"/>
+              <a:t>train_x</a:t>
+            </a:r>
+            <a:r>
+              <a:rPr lang="en-US" altLang="zh-CN" dirty="0"/>
+              <a:t> = </a:t>
+            </a:r>
+            <a:r>
+              <a:rPr lang="en-US" altLang="zh-CN" dirty="0" err="1" smtClean="0"/>
+              <a:t>np.array</a:t>
+            </a:r>
+            <a:r>
+              <a:rPr lang="en-US" altLang="zh-CN" dirty="0" smtClean="0"/>
+              <a:t>(data[0])</a:t>
+            </a:r>
+            <a:endParaRPr lang="en-US" altLang="zh-CN" dirty="0"/>
+          </a:p>
+          <a:p>
+            <a:r>
+              <a:rPr lang="en-US" altLang="zh-CN" dirty="0" err="1"/>
+              <a:t>train_y</a:t>
+            </a:r>
+            <a:r>
+              <a:rPr lang="en-US" altLang="zh-CN" dirty="0"/>
+              <a:t> = </a:t>
+            </a:r>
+            <a:r>
+              <a:rPr lang="en-US" altLang="zh-CN" dirty="0" err="1"/>
+              <a:t>np.array</a:t>
+            </a:r>
+            <a:r>
+              <a:rPr lang="en-US" altLang="zh-CN" dirty="0"/>
+              <a:t>(data[1])</a:t>
+            </a:r>
+            <a:endParaRPr lang="zh-CN" altLang="en-US" dirty="0"/>
           </a:p>
         </p:txBody>
       </p:sp>
@@ -5800,113 +5910,21 @@
           <a:lstStyle/>
           <a:p>
             <a:r>
-              <a:rPr lang="zh-CN" altLang="en-US" dirty="0"/>
-              <a:t>多</a:t>
+              <a:rPr lang="en-US" altLang="zh-CN" dirty="0" smtClean="0"/>
+              <a:t>Keras</a:t>
             </a:r>
             <a:r>
               <a:rPr lang="zh-CN" altLang="en-US" dirty="0" smtClean="0"/>
-              <a:t>变量线性回归</a:t>
+              <a:t>版</a:t>
             </a:r>
             <a:endParaRPr lang="zh-CN" altLang="en-US" dirty="0"/>
-          </a:p>
-        </p:txBody>
-      </p:sp>
-      <p:sp>
-        <p:nvSpPr>
-          <p:cNvPr id="4" name="矩形 3"/>
-          <p:cNvSpPr/>
-          <p:nvPr/>
-        </p:nvSpPr>
-        <p:spPr>
-          <a:xfrm>
-            <a:off x="1403648" y="2492896"/>
-            <a:ext cx="4572000" cy="3139321"/>
-          </a:xfrm>
-          <a:prstGeom prst="rect">
-            <a:avLst/>
-          </a:prstGeom>
-        </p:spPr>
-        <p:txBody>
-          <a:bodyPr>
-            <a:spAutoFit/>
-          </a:bodyPr>
-          <a:lstStyle/>
-          <a:p>
-            <a:r>
-              <a:rPr lang="en-US" altLang="zh-CN" dirty="0" smtClean="0"/>
-              <a:t>X_1           x_2           x_3            y</a:t>
-            </a:r>
-          </a:p>
-          <a:p>
-            <a:r>
-              <a:rPr lang="zh-CN" altLang="en-US" dirty="0" smtClean="0"/>
-              <a:t>0</a:t>
-            </a:r>
-            <a:r>
-              <a:rPr lang="zh-CN" altLang="en-US" dirty="0"/>
-              <a:t>.839728	0.384401	0.427936	0.689234</a:t>
-            </a:r>
-          </a:p>
-          <a:p>
-            <a:r>
-              <a:rPr lang="zh-CN" altLang="en-US" dirty="0"/>
-              <a:t>0.751300	0.628308	0.607947	0.783176</a:t>
-            </a:r>
-          </a:p>
-          <a:p>
-            <a:r>
-              <a:rPr lang="zh-CN" altLang="en-US" dirty="0"/>
-              <a:t>0.117734	0.407543	0.769312	0.724076</a:t>
-            </a:r>
-          </a:p>
-          <a:p>
-            <a:r>
-              <a:rPr lang="zh-CN" altLang="en-US" dirty="0"/>
-              <a:t>0.367446	0.087254	0.837090	0.705322</a:t>
-            </a:r>
-          </a:p>
-          <a:p>
-            <a:r>
-              <a:rPr lang="zh-CN" altLang="en-US" dirty="0"/>
-              <a:t>0.983624	0.942050	0.348014	0.791177</a:t>
-            </a:r>
-          </a:p>
-          <a:p>
-            <a:r>
-              <a:rPr lang="zh-CN" altLang="en-US" dirty="0"/>
-              <a:t>0.128296	0.562249	0.463776	0.664412</a:t>
-            </a:r>
-          </a:p>
-          <a:p>
-            <a:r>
-              <a:rPr lang="zh-CN" altLang="en-US" dirty="0"/>
-              <a:t>0.742661	0.203818	0.505683	0.666735</a:t>
-            </a:r>
-          </a:p>
-          <a:p>
-            <a:r>
-              <a:rPr lang="zh-CN" altLang="en-US" dirty="0"/>
-              <a:t>0.510024	0.544419	0.113197	0.593845</a:t>
-            </a:r>
-          </a:p>
-          <a:p>
-            <a:r>
-              <a:rPr lang="zh-CN" altLang="en-US" dirty="0"/>
-              <a:t>0.331489	0.015713	0.498159	0.585739</a:t>
-            </a:r>
-          </a:p>
-          <a:p>
-            <a:r>
-              <a:rPr lang="zh-CN" altLang="en-US" dirty="0"/>
-              <a:t>0.507342	0.474522	0.227461	0.613877</a:t>
-            </a:r>
           </a:p>
         </p:txBody>
       </p:sp>
     </p:spTree>
     <p:extLst>
       <p:ext uri="{BB962C8B-B14F-4D97-AF65-F5344CB8AC3E}">
-        <p14:creationId xmlns:p14="http://schemas.microsoft.com/office/powerpoint/2010/main" val="70911615"/>
+        <p14:creationId xmlns:p14="http://schemas.microsoft.com/office/powerpoint/2010/main" val="1927458061"/>
       </p:ext>
     </p:extLst>
   </p:cSld>
@@ -5945,14 +5963,16 @@
         </p:nvSpPr>
         <p:spPr/>
         <p:txBody>
-          <a:bodyPr>
-            <a:normAutofit fontScale="92500"/>
-          </a:bodyPr>
+          <a:bodyPr/>
           <a:lstStyle/>
           <a:p>
-            <a:r>
-              <a:rPr lang="en-US" altLang="zh-CN" dirty="0" smtClean="0"/>
-              <a:t>1. Loading data</a:t>
+            <a:pPr marL="342900" indent="-342900">
+              <a:buFont typeface="Wingdings" panose="05000000000000000000" pitchFamily="2" charset="2"/>
+              <a:buChar char="l"/>
+            </a:pPr>
+            <a:r>
+              <a:rPr lang="en-US" altLang="zh-CN" dirty="0" smtClean="0"/>
+              <a:t>Define the model</a:t>
             </a:r>
           </a:p>
           <a:p>
@@ -5964,50 +5984,34 @@
           </a:p>
           <a:p>
             <a:r>
-              <a:rPr lang="en-US" altLang="zh-CN" dirty="0" err="1"/>
-              <a:t>file_name</a:t>
-            </a:r>
-            <a:r>
-              <a:rPr lang="en-US" altLang="zh-CN" dirty="0"/>
-              <a:t> = </a:t>
-            </a:r>
-            <a:r>
-              <a:rPr lang="en-US" altLang="zh-CN" dirty="0" err="1"/>
-              <a:t>os.path.join</a:t>
-            </a:r>
-            <a:r>
-              <a:rPr lang="en-US" altLang="zh-CN" dirty="0"/>
-              <a:t>('data', 'multiple_variable.txt')</a:t>
-            </a:r>
-          </a:p>
-          <a:p>
-            <a:r>
-              <a:rPr lang="en-US" altLang="zh-CN" dirty="0"/>
-              <a:t>data = </a:t>
-            </a:r>
-            <a:r>
-              <a:rPr lang="en-US" altLang="zh-CN" dirty="0" err="1"/>
-              <a:t>pd.read_table</a:t>
-            </a:r>
-            <a:r>
-              <a:rPr lang="en-US" altLang="zh-CN" dirty="0"/>
-              <a:t>(</a:t>
-            </a:r>
-            <a:r>
-              <a:rPr lang="en-US" altLang="zh-CN" dirty="0" err="1"/>
-              <a:t>file_name</a:t>
-            </a:r>
-            <a:r>
-              <a:rPr lang="en-US" altLang="zh-CN" dirty="0"/>
-              <a:t>, </a:t>
-            </a:r>
-            <a:r>
-              <a:rPr lang="en-US" altLang="zh-CN" dirty="0" err="1"/>
-              <a:t>sep</a:t>
-            </a:r>
-            <a:r>
-              <a:rPr lang="en-US" altLang="zh-CN" dirty="0"/>
-              <a:t>='\t', header=None, quoting=3)</a:t>
+              <a:rPr lang="en-US" altLang="zh-CN" dirty="0"/>
+              <a:t>from </a:t>
+            </a:r>
+            <a:r>
+              <a:rPr lang="en-US" altLang="zh-CN" dirty="0" err="1"/>
+              <a:t>keras.layers</a:t>
+            </a:r>
+            <a:r>
+              <a:rPr lang="en-US" altLang="zh-CN" dirty="0"/>
+              <a:t> import Dense, Input</a:t>
+            </a:r>
+          </a:p>
+          <a:p>
+            <a:r>
+              <a:rPr lang="en-US" altLang="zh-CN" dirty="0"/>
+              <a:t>from </a:t>
+            </a:r>
+            <a:r>
+              <a:rPr lang="en-US" altLang="zh-CN" dirty="0" err="1"/>
+              <a:t>keras.models</a:t>
+            </a:r>
+            <a:r>
+              <a:rPr lang="en-US" altLang="zh-CN" dirty="0"/>
+              <a:t> import </a:t>
+            </a:r>
+            <a:r>
+              <a:rPr lang="en-US" altLang="zh-CN" dirty="0" smtClean="0"/>
+              <a:t>Model</a:t>
             </a:r>
           </a:p>
           <a:p>
@@ -6015,117 +6019,31 @@
           </a:p>
           <a:p>
             <a:r>
-              <a:rPr lang="en-US" altLang="zh-CN" dirty="0" err="1"/>
-              <a:t>train_x</a:t>
-            </a:r>
-            <a:r>
-              <a:rPr lang="en-US" altLang="zh-CN" dirty="0"/>
-              <a:t> = []; </a:t>
-            </a:r>
-            <a:r>
-              <a:rPr lang="en-US" altLang="zh-CN" dirty="0" err="1"/>
-              <a:t>train_y</a:t>
-            </a:r>
-            <a:r>
-              <a:rPr lang="en-US" altLang="zh-CN" dirty="0"/>
-              <a:t> = []</a:t>
-            </a:r>
-          </a:p>
-          <a:p>
-            <a:r>
-              <a:rPr lang="en-US" altLang="zh-CN" dirty="0"/>
-              <a:t>for i in range(</a:t>
-            </a:r>
-            <a:r>
-              <a:rPr lang="en-US" altLang="zh-CN" dirty="0" err="1"/>
-              <a:t>len</a:t>
-            </a:r>
-            <a:r>
-              <a:rPr lang="en-US" altLang="zh-CN" dirty="0"/>
-              <a:t>(data[0])):</a:t>
-            </a:r>
-          </a:p>
-          <a:p>
-            <a:r>
-              <a:rPr lang="en-US" altLang="zh-CN" dirty="0"/>
-              <a:t>    </a:t>
-            </a:r>
-            <a:r>
-              <a:rPr lang="en-US" altLang="zh-CN" dirty="0" err="1"/>
-              <a:t>train_x.append</a:t>
-            </a:r>
-            <a:r>
-              <a:rPr lang="en-US" altLang="zh-CN" dirty="0"/>
-              <a:t>([data[0][i], data[1][i], data[2][i]])</a:t>
-            </a:r>
-          </a:p>
-          <a:p>
-            <a:r>
-              <a:rPr lang="en-US" altLang="zh-CN" dirty="0"/>
-              <a:t>    </a:t>
-            </a:r>
-            <a:r>
-              <a:rPr lang="en-US" altLang="zh-CN" dirty="0" err="1"/>
-              <a:t>train_y.append</a:t>
-            </a:r>
-            <a:r>
-              <a:rPr lang="en-US" altLang="zh-CN" dirty="0"/>
-              <a:t>([data[3][i]])</a:t>
-            </a:r>
-          </a:p>
-          <a:p>
-            <a:endParaRPr lang="en-US" altLang="zh-CN" dirty="0"/>
-          </a:p>
-          <a:p>
-            <a:r>
-              <a:rPr lang="en-US" altLang="zh-CN" dirty="0" err="1"/>
-              <a:t>train_x</a:t>
-            </a:r>
-            <a:r>
-              <a:rPr lang="en-US" altLang="zh-CN" dirty="0"/>
-              <a:t> = </a:t>
-            </a:r>
-            <a:r>
-              <a:rPr lang="en-US" altLang="zh-CN" dirty="0" err="1"/>
-              <a:t>np.array</a:t>
-            </a:r>
-            <a:r>
-              <a:rPr lang="en-US" altLang="zh-CN" dirty="0"/>
-              <a:t>(</a:t>
-            </a:r>
-            <a:r>
-              <a:rPr lang="en-US" altLang="zh-CN" dirty="0" err="1"/>
-              <a:t>train_x</a:t>
-            </a:r>
-            <a:r>
-              <a:rPr lang="en-US" altLang="zh-CN" dirty="0"/>
-              <a:t>)</a:t>
-            </a:r>
-          </a:p>
-          <a:p>
-            <a:r>
-              <a:rPr lang="en-US" altLang="zh-CN" dirty="0" err="1"/>
-              <a:t>train_y</a:t>
-            </a:r>
-            <a:r>
-              <a:rPr lang="en-US" altLang="zh-CN" dirty="0"/>
-              <a:t> = </a:t>
-            </a:r>
-            <a:r>
-              <a:rPr lang="en-US" altLang="zh-CN" dirty="0" err="1"/>
-              <a:t>np.array</a:t>
-            </a:r>
-            <a:r>
-              <a:rPr lang="en-US" altLang="zh-CN" dirty="0"/>
-              <a:t>(</a:t>
-            </a:r>
-            <a:r>
-              <a:rPr lang="en-US" altLang="zh-CN" dirty="0" err="1"/>
-              <a:t>train_y</a:t>
-            </a:r>
-            <a:r>
-              <a:rPr lang="en-US" altLang="zh-CN" dirty="0"/>
-              <a:t>)</a:t>
+              <a:rPr lang="es-ES" altLang="zh-CN" dirty="0"/>
+              <a:t>x = Input(shape</a:t>
+            </a:r>
+            <a:r>
+              <a:rPr lang="es-ES" altLang="zh-CN" dirty="0" smtClean="0"/>
+              <a:t>=(1, </a:t>
+            </a:r>
+            <a:r>
+              <a:rPr lang="es-ES" altLang="zh-CN" dirty="0"/>
+              <a:t>))</a:t>
+            </a:r>
+          </a:p>
+          <a:p>
+            <a:r>
+              <a:rPr lang="es-ES" altLang="zh-CN" dirty="0"/>
+              <a:t>y = Dense(1, activation='linear')(x)</a:t>
+            </a:r>
+          </a:p>
+          <a:p>
+            <a:endParaRPr lang="es-ES" altLang="zh-CN" dirty="0"/>
+          </a:p>
+          <a:p>
+            <a:r>
+              <a:rPr lang="es-ES" altLang="zh-CN" dirty="0"/>
+              <a:t>model = Model(x, y)</a:t>
             </a:r>
             <a:endParaRPr lang="zh-CN" altLang="en-US" dirty="0"/>
           </a:p>
@@ -6148,7 +6066,7 @@
           <a:p>
             <a:r>
               <a:rPr lang="en-US" altLang="zh-CN" dirty="0" smtClean="0"/>
-              <a:t>TensorFlow</a:t>
+              <a:t>Keras</a:t>
             </a:r>
             <a:r>
               <a:rPr lang="zh-CN" altLang="en-US" dirty="0" smtClean="0"/>
@@ -6161,7 +6079,7 @@
     </p:spTree>
     <p:extLst>
       <p:ext uri="{BB962C8B-B14F-4D97-AF65-F5344CB8AC3E}">
-        <p14:creationId xmlns:p14="http://schemas.microsoft.com/office/powerpoint/2010/main" val="528301303"/>
+        <p14:creationId xmlns:p14="http://schemas.microsoft.com/office/powerpoint/2010/main" val="2594861675"/>
       </p:ext>
     </p:extLst>
   </p:cSld>
@@ -6200,74 +6118,178 @@
         </p:nvSpPr>
         <p:spPr/>
         <p:txBody>
-          <a:bodyPr/>
+          <a:bodyPr>
+            <a:normAutofit fontScale="85000" lnSpcReduction="20000"/>
+          </a:bodyPr>
           <a:lstStyle/>
-          <a:p>
-            <a:r>
-              <a:rPr lang="en-US" altLang="zh-CN" dirty="0"/>
-              <a:t>2. Model Representation</a:t>
-            </a:r>
-          </a:p>
           <a:p>
             <a:pPr marL="342900" indent="-342900">
               <a:buFont typeface="Wingdings" panose="05000000000000000000" pitchFamily="2" charset="2"/>
               <a:buChar char="l"/>
             </a:pPr>
             <a:r>
-              <a:rPr lang="en-US" altLang="zh-CN" dirty="0"/>
-              <a:t> Input Placeholder (input training sample)</a:t>
-            </a:r>
-          </a:p>
-          <a:p>
-            <a:pPr marL="800100" lvl="1" indent="-342900">
-              <a:buFont typeface="Wingdings" panose="05000000000000000000" pitchFamily="2" charset="2"/>
-              <a:buChar char="Ø"/>
-            </a:pPr>
-            <a:r>
-              <a:rPr lang="da-DK" altLang="zh-CN" dirty="0"/>
-              <a:t>x = tf.placeholder("float", [None, 3])</a:t>
-            </a:r>
-          </a:p>
-          <a:p>
-            <a:pPr marL="800100" lvl="1" indent="-342900">
-              <a:buFont typeface="Wingdings" panose="05000000000000000000" pitchFamily="2" charset="2"/>
-              <a:buChar char="Ø"/>
-            </a:pPr>
-            <a:r>
-              <a:rPr lang="da-DK" altLang="zh-CN" dirty="0"/>
-              <a:t>y = tf.placeholder("float", [None, 1]) </a:t>
-            </a:r>
+              <a:rPr lang="en-US" altLang="zh-CN" smtClean="0"/>
+              <a:t>Training</a:t>
+            </a:r>
+            <a:endParaRPr lang="en-US" altLang="zh-CN" dirty="0" smtClean="0"/>
+          </a:p>
+          <a:p>
+            <a:r>
+              <a:rPr lang="en-US" altLang="zh-CN" dirty="0" smtClean="0"/>
+              <a:t>epoch </a:t>
+            </a:r>
+            <a:r>
+              <a:rPr lang="en-US" altLang="zh-CN" dirty="0"/>
+              <a:t>= 50</a:t>
+            </a:r>
+          </a:p>
+          <a:p>
+            <a:r>
+              <a:rPr lang="en-US" altLang="zh-CN" dirty="0" err="1"/>
+              <a:t>batch_size</a:t>
+            </a:r>
+            <a:r>
+              <a:rPr lang="en-US" altLang="zh-CN" dirty="0"/>
+              <a:t> = 2</a:t>
+            </a:r>
+            <a:endParaRPr lang="en-US" altLang="zh-CN" dirty="0" smtClean="0"/>
+          </a:p>
+          <a:p>
             <a:endParaRPr lang="en-US" altLang="zh-CN" dirty="0"/>
+          </a:p>
+          <a:p>
+            <a:r>
+              <a:rPr lang="en-US" altLang="zh-CN" dirty="0" err="1" smtClean="0"/>
+              <a:t>model.compile</a:t>
+            </a:r>
+            <a:r>
+              <a:rPr lang="en-US" altLang="zh-CN" dirty="0" smtClean="0"/>
+              <a:t>(optimizer</a:t>
+            </a:r>
+            <a:r>
+              <a:rPr lang="en-US" altLang="zh-CN" dirty="0"/>
+              <a:t>='</a:t>
+            </a:r>
+            <a:r>
+              <a:rPr lang="en-US" altLang="zh-CN" dirty="0" err="1"/>
+              <a:t>sgd</a:t>
+            </a:r>
+            <a:r>
+              <a:rPr lang="en-US" altLang="zh-CN" dirty="0"/>
+              <a:t>', loss='</a:t>
+            </a:r>
+            <a:r>
+              <a:rPr lang="en-US" altLang="zh-CN" dirty="0" err="1"/>
+              <a:t>mean_squared_error</a:t>
+            </a:r>
+            <a:r>
+              <a:rPr lang="en-US" altLang="zh-CN" dirty="0"/>
+              <a:t>')</a:t>
+            </a:r>
+          </a:p>
+          <a:p>
+            <a:r>
+              <a:rPr lang="en-US" altLang="zh-CN" dirty="0" err="1"/>
+              <a:t>model.fit</a:t>
+            </a:r>
+            <a:r>
+              <a:rPr lang="en-US" altLang="zh-CN" dirty="0"/>
+              <a:t>(</a:t>
+            </a:r>
+            <a:r>
+              <a:rPr lang="en-US" altLang="zh-CN" dirty="0" err="1"/>
+              <a:t>train_x</a:t>
+            </a:r>
+            <a:r>
+              <a:rPr lang="en-US" altLang="zh-CN" dirty="0"/>
+              <a:t>, </a:t>
+            </a:r>
+            <a:r>
+              <a:rPr lang="en-US" altLang="zh-CN" dirty="0" err="1"/>
+              <a:t>train_y</a:t>
+            </a:r>
+            <a:r>
+              <a:rPr lang="en-US" altLang="zh-CN" dirty="0"/>
+              <a:t>, epochs=epoch, </a:t>
+            </a:r>
+            <a:r>
+              <a:rPr lang="en-US" altLang="zh-CN" dirty="0" err="1" smtClean="0"/>
+              <a:t>batch_size</a:t>
+            </a:r>
+            <a:r>
+              <a:rPr lang="en-US" altLang="zh-CN" dirty="0" smtClean="0"/>
+              <a:t>=</a:t>
+            </a:r>
+            <a:r>
+              <a:rPr lang="en-US" altLang="zh-CN" dirty="0" err="1" smtClean="0"/>
+              <a:t>batch_size</a:t>
+            </a:r>
+            <a:r>
+              <a:rPr lang="en-US" altLang="zh-CN" dirty="0" smtClean="0"/>
+              <a:t>)</a:t>
+            </a:r>
+          </a:p>
+          <a:p>
+            <a:endParaRPr lang="en-US" altLang="zh-CN" dirty="0" smtClean="0"/>
           </a:p>
           <a:p>
             <a:pPr marL="342900" indent="-342900">
               <a:buFont typeface="Wingdings" panose="05000000000000000000" pitchFamily="2" charset="2"/>
               <a:buChar char="l"/>
             </a:pPr>
+            <a:r>
+              <a:rPr lang="en-US" altLang="zh-CN" dirty="0" smtClean="0"/>
+              <a:t>Get the Weights</a:t>
+            </a:r>
+          </a:p>
+          <a:p>
+            <a:r>
+              <a:rPr lang="en-US" altLang="zh-CN" dirty="0" smtClean="0"/>
+              <a:t>print(</a:t>
+            </a:r>
+            <a:r>
+              <a:rPr lang="en-US" altLang="zh-CN" dirty="0" err="1" smtClean="0"/>
+              <a:t>model.layers</a:t>
+            </a:r>
+            <a:r>
+              <a:rPr lang="en-US" altLang="zh-CN" dirty="0" smtClean="0"/>
+              <a:t>[1</a:t>
+            </a:r>
+            <a:r>
+              <a:rPr lang="en-US" altLang="zh-CN" dirty="0"/>
+              <a:t>].</a:t>
+            </a:r>
+            <a:r>
+              <a:rPr lang="en-US" altLang="zh-CN" dirty="0" err="1"/>
+              <a:t>get_weights</a:t>
+            </a:r>
+            <a:r>
+              <a:rPr lang="en-US" altLang="zh-CN" dirty="0"/>
+              <a:t>())</a:t>
+            </a:r>
+          </a:p>
+          <a:p>
             <a:endParaRPr lang="en-US" altLang="zh-CN" dirty="0"/>
           </a:p>
           <a:p>
-            <a:pPr marL="342900" indent="-342900">
+            <a:pPr marL="457200" indent="-457200">
               <a:buFont typeface="Wingdings" panose="05000000000000000000" pitchFamily="2" charset="2"/>
               <a:buChar char="l"/>
             </a:pPr>
             <a:r>
-              <a:rPr lang="en-US" altLang="zh-CN" dirty="0"/>
-              <a:t>Variable Placeholder (need to be trained)</a:t>
-            </a:r>
-          </a:p>
-          <a:p>
-            <a:pPr marL="800100" lvl="1" indent="-342900">
-              <a:buFont typeface="Wingdings" panose="05000000000000000000" pitchFamily="2" charset="2"/>
-              <a:buChar char="Ø"/>
-            </a:pPr>
-            <a:r>
-              <a:rPr lang="en-US" altLang="zh-CN" dirty="0"/>
-              <a:t>w = </a:t>
-            </a:r>
-            <a:r>
-              <a:rPr lang="en-US" altLang="zh-CN" dirty="0" err="1"/>
-              <a:t>tf.Variable</a:t>
+              <a:rPr lang="en-US" altLang="zh-CN" dirty="0" smtClean="0"/>
+              <a:t>Predict</a:t>
+            </a:r>
+            <a:endParaRPr lang="en-US" altLang="zh-CN" dirty="0"/>
+          </a:p>
+          <a:p>
+            <a:r>
+              <a:rPr lang="en-US" altLang="zh-CN" dirty="0"/>
+              <a:t>print(</a:t>
+            </a:r>
+            <a:r>
+              <a:rPr lang="en-US" altLang="zh-CN" dirty="0" err="1"/>
+              <a:t>model.predict</a:t>
             </a:r>
             <a:r>
               <a:rPr lang="en-US" altLang="zh-CN" dirty="0"/>
@@ -6275,78 +6297,31 @@
             </a:r>
             <a:r>
               <a:rPr lang="en-US" altLang="zh-CN" dirty="0" err="1"/>
-              <a:t>tf.random_uniform</a:t>
-            </a:r>
-            <a:r>
-              <a:rPr lang="en-US" altLang="zh-CN" dirty="0"/>
-              <a:t>([3, 1], -1., 1.))</a:t>
-            </a:r>
-          </a:p>
-          <a:p>
-            <a:pPr marL="800100" lvl="1" indent="-342900">
-              <a:buFont typeface="Wingdings" panose="05000000000000000000" pitchFamily="2" charset="2"/>
-              <a:buChar char="Ø"/>
-            </a:pPr>
-            <a:r>
-              <a:rPr lang="en-US" altLang="zh-CN" dirty="0"/>
-              <a:t>b = </a:t>
-            </a:r>
-            <a:r>
-              <a:rPr lang="en-US" altLang="zh-CN" dirty="0" err="1"/>
-              <a:t>tf.Variable</a:t>
-            </a:r>
-            <a:r>
-              <a:rPr lang="en-US" altLang="zh-CN" dirty="0"/>
-              <a:t>(</a:t>
-            </a:r>
-            <a:r>
-              <a:rPr lang="en-US" altLang="zh-CN" dirty="0" err="1"/>
-              <a:t>tf.zeros</a:t>
-            </a:r>
-            <a:r>
-              <a:rPr lang="en-US" altLang="zh-CN" dirty="0"/>
-              <a:t>([1]))</a:t>
-            </a:r>
-          </a:p>
-          <a:p>
-            <a:pPr marL="800100" lvl="1" indent="-342900">
-              <a:buFont typeface="Wingdings" panose="05000000000000000000" pitchFamily="2" charset="2"/>
-              <a:buChar char="Ø"/>
-            </a:pPr>
+              <a:t>np.array</a:t>
+            </a:r>
+            <a:r>
+              <a:rPr lang="en-US" altLang="zh-CN" dirty="0" smtClean="0"/>
+              <a:t>([[0.25</a:t>
+            </a:r>
+            <a:r>
+              <a:rPr lang="en-US" altLang="zh-CN" dirty="0" smtClean="0"/>
+              <a:t>]])))</a:t>
+            </a:r>
+          </a:p>
+          <a:p>
             <a:endParaRPr lang="en-US" altLang="zh-CN" dirty="0"/>
           </a:p>
           <a:p>
-            <a:pPr marL="342900" indent="-342900">
-              <a:buFont typeface="Wingdings" panose="05000000000000000000" pitchFamily="2" charset="2"/>
-              <a:buChar char="l"/>
-            </a:pPr>
-            <a:r>
-              <a:rPr lang="en-US" altLang="zh-CN" dirty="0"/>
-              <a:t>Model</a:t>
-            </a:r>
-          </a:p>
-          <a:p>
-            <a:pPr marL="800100" lvl="1" indent="-342900">
-              <a:buFont typeface="Wingdings" panose="05000000000000000000" pitchFamily="2" charset="2"/>
-              <a:buChar char="Ø"/>
-            </a:pPr>
-            <a:r>
-              <a:rPr lang="en-US" altLang="zh-CN" dirty="0" err="1"/>
-              <a:t>y_pred</a:t>
-            </a:r>
-            <a:r>
-              <a:rPr lang="en-US" altLang="zh-CN" dirty="0"/>
-              <a:t> = </a:t>
-            </a:r>
-            <a:r>
-              <a:rPr lang="en-US" altLang="zh-CN" dirty="0" err="1"/>
-              <a:t>tf.matmul</a:t>
-            </a:r>
-            <a:r>
-              <a:rPr lang="en-US" altLang="zh-CN" dirty="0"/>
-              <a:t>(x, w) + b</a:t>
-            </a:r>
-            <a:endParaRPr lang="zh-CN" altLang="en-US" dirty="0"/>
+            <a:r>
+              <a:rPr lang="en-US" altLang="zh-CN" dirty="0"/>
+              <a:t>Q1: w end and b end?</a:t>
+            </a:r>
+          </a:p>
+          <a:p>
+            <a:r>
+              <a:rPr lang="en-US" altLang="zh-CN" dirty="0"/>
+              <a:t>Q2: By inputting x = 0.25, what’s the predicted result of y?</a:t>
+            </a:r>
           </a:p>
           <a:p>
             <a:endParaRPr lang="zh-CN" altLang="en-US" dirty="0"/>
@@ -6369,20 +6344,21 @@
           <a:lstStyle/>
           <a:p>
             <a:r>
-              <a:rPr lang="en-US" altLang="zh-CN" dirty="0"/>
-              <a:t>TensorFlow</a:t>
-            </a:r>
-            <a:r>
-              <a:rPr lang="zh-CN" altLang="en-US" dirty="0"/>
+              <a:rPr lang="en-US" altLang="zh-CN" dirty="0" smtClean="0"/>
+              <a:t>Keras</a:t>
+            </a:r>
+            <a:r>
+              <a:rPr lang="zh-CN" altLang="en-US" dirty="0" smtClean="0"/>
               <a:t>版</a:t>
             </a:r>
+            <a:endParaRPr lang="zh-CN" altLang="en-US" dirty="0"/>
           </a:p>
         </p:txBody>
       </p:sp>
     </p:spTree>
     <p:extLst>
       <p:ext uri="{BB962C8B-B14F-4D97-AF65-F5344CB8AC3E}">
-        <p14:creationId xmlns:p14="http://schemas.microsoft.com/office/powerpoint/2010/main" val="502697657"/>
+        <p14:creationId xmlns:p14="http://schemas.microsoft.com/office/powerpoint/2010/main" val="3685621634"/>
       </p:ext>
     </p:extLst>
   </p:cSld>
@@ -6429,100 +6405,48 @@
               <a:buChar char="l"/>
             </a:pPr>
             <a:r>
-              <a:rPr lang="en-US" altLang="zh-CN" dirty="0" smtClean="0"/>
-              <a:t>Try to modified the scripts of </a:t>
-            </a:r>
-            <a:r>
-              <a:rPr lang="en-US" altLang="zh-CN" dirty="0" err="1" smtClean="0"/>
-              <a:t>one_variable</a:t>
-            </a:r>
-            <a:r>
-              <a:rPr lang="en-US" altLang="zh-CN" dirty="0" smtClean="0"/>
-              <a:t> linear regression.</a:t>
-            </a:r>
+              <a:rPr lang="zh-CN" altLang="en-US" dirty="0"/>
+              <a:t>使用</a:t>
+            </a:r>
+            <a:r>
+              <a:rPr lang="en-US" altLang="zh-CN" dirty="0"/>
+              <a:t>sklearn</a:t>
+            </a:r>
+            <a:r>
+              <a:rPr lang="zh-CN" altLang="en-US" dirty="0"/>
+              <a:t>和</a:t>
+            </a:r>
+            <a:r>
+              <a:rPr lang="en-US" altLang="zh-CN" dirty="0"/>
+              <a:t>TensorFlow</a:t>
+            </a:r>
+            <a:r>
+              <a:rPr lang="zh-CN" altLang="en-US" dirty="0"/>
+              <a:t>两种方式实现线性回归</a:t>
+            </a:r>
+            <a:endParaRPr lang="en-US" altLang="zh-CN" dirty="0"/>
           </a:p>
           <a:p>
             <a:pPr marL="342900" indent="-342900">
               <a:buFont typeface="Wingdings" panose="05000000000000000000" pitchFamily="2" charset="2"/>
               <a:buChar char="l"/>
             </a:pPr>
-            <a:endParaRPr lang="en-US" altLang="zh-CN" dirty="0"/>
-          </a:p>
-          <a:p>
-            <a:pPr marL="342900" indent="-342900">
-              <a:buFont typeface="Wingdings" panose="05000000000000000000" pitchFamily="2" charset="2"/>
-              <a:buChar char="l"/>
-            </a:pPr>
-            <a:r>
-              <a:rPr lang="en-US" altLang="zh-CN" dirty="0" smtClean="0"/>
-              <a:t>Predict the results of y:</a:t>
-            </a:r>
-          </a:p>
-          <a:p>
-            <a:r>
-              <a:rPr lang="en-US" altLang="zh-CN" dirty="0"/>
-              <a:t>print('</a:t>
-            </a:r>
-            <a:r>
-              <a:rPr lang="en-US" altLang="zh-CN" dirty="0" err="1"/>
-              <a:t>y_pred</a:t>
-            </a:r>
-            <a:r>
-              <a:rPr lang="en-US" altLang="zh-CN" dirty="0"/>
-              <a:t> is ', </a:t>
-            </a:r>
-            <a:r>
-              <a:rPr lang="en-US" altLang="zh-CN" dirty="0" err="1"/>
-              <a:t>sess.run</a:t>
-            </a:r>
-            <a:r>
-              <a:rPr lang="en-US" altLang="zh-CN" dirty="0"/>
-              <a:t>(</a:t>
-            </a:r>
-            <a:r>
-              <a:rPr lang="en-US" altLang="zh-CN" dirty="0" err="1"/>
-              <a:t>y_pred</a:t>
-            </a:r>
-            <a:r>
-              <a:rPr lang="en-US" altLang="zh-CN" dirty="0"/>
-              <a:t>, {x: [[0.25, 0.25, 0.25</a:t>
-            </a:r>
-            <a:r>
-              <a:rPr lang="en-US" altLang="zh-CN" dirty="0" smtClean="0"/>
-              <a:t>]]}))</a:t>
-            </a:r>
-          </a:p>
-          <a:p>
-            <a:endParaRPr lang="en-US" altLang="zh-CN" dirty="0"/>
-          </a:p>
-          <a:p>
-            <a:r>
-              <a:rPr lang="en-US" altLang="zh-CN" dirty="0"/>
-              <a:t>Q1: w end and b end?</a:t>
-            </a:r>
-          </a:p>
-          <a:p>
-            <a:r>
-              <a:rPr lang="en-US" altLang="zh-CN" dirty="0"/>
-              <a:t>Q2: By inputting </a:t>
-            </a:r>
-            <a:r>
-              <a:rPr lang="en-US" altLang="zh-CN" dirty="0" smtClean="0"/>
-              <a:t>x_1 </a:t>
-            </a:r>
-            <a:r>
-              <a:rPr lang="en-US" altLang="zh-CN" dirty="0"/>
-              <a:t>= </a:t>
-            </a:r>
-            <a:r>
-              <a:rPr lang="en-US" altLang="zh-CN" dirty="0" smtClean="0"/>
-              <a:t>0.25, x_2 = 0.25 and x_3 = 0.25, </a:t>
-            </a:r>
-            <a:r>
-              <a:rPr lang="en-US" altLang="zh-CN" dirty="0"/>
-              <a:t>what’s the predicted result of y?</a:t>
-            </a:r>
-            <a:endParaRPr lang="zh-CN" altLang="en-US" dirty="0"/>
+            <a:r>
+              <a:rPr lang="zh-CN" altLang="en-US" dirty="0"/>
+              <a:t>训练数据存放</a:t>
+            </a:r>
+            <a:r>
+              <a:rPr lang="zh-CN" altLang="en-US" dirty="0" smtClean="0"/>
+              <a:t>在</a:t>
+            </a:r>
+            <a:r>
+              <a:rPr lang="en-US" altLang="zh-CN" dirty="0" smtClean="0"/>
+              <a:t>multiple_variable.txt</a:t>
+            </a:r>
+            <a:r>
+              <a:rPr lang="zh-CN" altLang="en-US" dirty="0"/>
+              <a:t>中</a:t>
+            </a:r>
           </a:p>
         </p:txBody>
       </p:sp>
@@ -6542,12 +6466,105 @@
           <a:lstStyle/>
           <a:p>
             <a:r>
-              <a:rPr lang="en-US" altLang="zh-CN" dirty="0"/>
-              <a:t>TensorFlow</a:t>
-            </a:r>
-            <a:r>
               <a:rPr lang="zh-CN" altLang="en-US" dirty="0"/>
-              <a:t>版</a:t>
+              <a:t>多</a:t>
+            </a:r>
+            <a:r>
+              <a:rPr lang="zh-CN" altLang="en-US" dirty="0" smtClean="0"/>
+              <a:t>变量线性回归</a:t>
+            </a:r>
+            <a:endParaRPr lang="zh-CN" altLang="en-US" dirty="0"/>
+          </a:p>
+        </p:txBody>
+      </p:sp>
+      <p:sp>
+        <p:nvSpPr>
+          <p:cNvPr id="4" name="矩形 3"/>
+          <p:cNvSpPr/>
+          <p:nvPr/>
+        </p:nvSpPr>
+        <p:spPr>
+          <a:xfrm>
+            <a:off x="1403648" y="2492896"/>
+            <a:ext cx="4572000" cy="3139321"/>
+          </a:xfrm>
+          <a:prstGeom prst="rect">
+            <a:avLst/>
+          </a:prstGeom>
+        </p:spPr>
+        <p:txBody>
+          <a:bodyPr>
+            <a:spAutoFit/>
+          </a:bodyPr>
+          <a:lstStyle/>
+          <a:p>
+            <a:r>
+              <a:rPr lang="en-US" altLang="zh-CN" dirty="0" smtClean="0"/>
+              <a:t>X_1           x_2           x_3            y</a:t>
+            </a:r>
+          </a:p>
+          <a:p>
+            <a:r>
+              <a:rPr lang="zh-CN" altLang="en-US" dirty="0" smtClean="0"/>
+              <a:t>0</a:t>
+            </a:r>
+            <a:r>
+              <a:rPr lang="zh-CN" altLang="en-US" dirty="0"/>
+              <a:t>.839728	0.384401	0.427936	0.689234</a:t>
+            </a:r>
+          </a:p>
+          <a:p>
+            <a:r>
+              <a:rPr lang="zh-CN" altLang="en-US" dirty="0"/>
+              <a:t>0.751300	0.628308	0.607947	0.783176</a:t>
+            </a:r>
+          </a:p>
+          <a:p>
+            <a:r>
+              <a:rPr lang="zh-CN" altLang="en-US" dirty="0"/>
+              <a:t>0.117734	0.407543	0.769312	0.724076</a:t>
+            </a:r>
+          </a:p>
+          <a:p>
+            <a:r>
+              <a:rPr lang="zh-CN" altLang="en-US" dirty="0"/>
+              <a:t>0.367446	0.087254	0.837090	0.705322</a:t>
+            </a:r>
+          </a:p>
+          <a:p>
+            <a:r>
+              <a:rPr lang="zh-CN" altLang="en-US" dirty="0"/>
+              <a:t>0.983624	0.942050	0.348014	0.791177</a:t>
+            </a:r>
+          </a:p>
+          <a:p>
+            <a:r>
+              <a:rPr lang="zh-CN" altLang="en-US" dirty="0"/>
+              <a:t>0.128296	0.562249	0.463776	0.664412</a:t>
+            </a:r>
+          </a:p>
+          <a:p>
+            <a:r>
+              <a:rPr lang="zh-CN" altLang="en-US" dirty="0"/>
+              <a:t>0.742661	0.203818	0.505683	0.666735</a:t>
+            </a:r>
+          </a:p>
+          <a:p>
+            <a:r>
+              <a:rPr lang="zh-CN" altLang="en-US" dirty="0"/>
+              <a:t>0.510024	0.544419	0.113197	0.593845</a:t>
+            </a:r>
+          </a:p>
+          <a:p>
+            <a:r>
+              <a:rPr lang="zh-CN" altLang="en-US" dirty="0"/>
+              <a:t>0.331489	0.015713	0.498159	0.585739</a:t>
+            </a:r>
+          </a:p>
+          <a:p>
+            <a:r>
+              <a:rPr lang="zh-CN" altLang="en-US" dirty="0"/>
+              <a:t>0.507342	0.474522	0.227461	0.613877</a:t>
             </a:r>
           </a:p>
         </p:txBody>
@@ -6555,7 +6572,7 @@
     </p:spTree>
     <p:extLst>
       <p:ext uri="{BB962C8B-B14F-4D97-AF65-F5344CB8AC3E}">
-        <p14:creationId xmlns:p14="http://schemas.microsoft.com/office/powerpoint/2010/main" val="1843624923"/>
+        <p14:creationId xmlns:p14="http://schemas.microsoft.com/office/powerpoint/2010/main" val="70911615"/>
       </p:ext>
     </p:extLst>
   </p:cSld>
@@ -6595,29 +6612,13 @@
         <p:spPr/>
         <p:txBody>
           <a:bodyPr>
-            <a:normAutofit fontScale="92500" lnSpcReduction="10000"/>
+            <a:normAutofit fontScale="92500"/>
           </a:bodyPr>
           <a:lstStyle/>
           <a:p>
-            <a:pPr marL="342900" indent="-342900">
-              <a:buFont typeface="Wingdings" panose="05000000000000000000" pitchFamily="2" charset="2"/>
-              <a:buChar char="l"/>
-            </a:pPr>
-            <a:r>
-              <a:rPr lang="en-US" altLang="zh-CN" dirty="0"/>
-              <a:t>Try to modified the scripts of </a:t>
-            </a:r>
-            <a:r>
-              <a:rPr lang="en-US" altLang="zh-CN" dirty="0" err="1"/>
-              <a:t>one_variable</a:t>
-            </a:r>
-            <a:r>
-              <a:rPr lang="en-US" altLang="zh-CN" dirty="0"/>
-              <a:t> linear regression</a:t>
-            </a:r>
-            <a:r>
-              <a:rPr lang="en-US" altLang="zh-CN" dirty="0" smtClean="0"/>
-              <a:t>.</a:t>
+            <a:r>
+              <a:rPr lang="en-US" altLang="zh-CN" dirty="0" smtClean="0"/>
+              <a:t>1. Loading data</a:t>
             </a:r>
           </a:p>
           <a:p>
@@ -6629,60 +6630,168 @@
           </a:p>
           <a:p>
             <a:r>
-              <a:rPr lang="nn-NO" altLang="zh-CN" dirty="0"/>
-              <a:t>train_x = []</a:t>
-            </a:r>
-          </a:p>
-          <a:p>
-            <a:r>
-              <a:rPr lang="nn-NO" altLang="zh-CN" dirty="0"/>
-              <a:t>for i in range(len(data[0])):</a:t>
-            </a:r>
-          </a:p>
-          <a:p>
-            <a:r>
-              <a:rPr lang="nn-NO" altLang="zh-CN" dirty="0"/>
-              <a:t>    train_x.append([1., data[0][i], data[1][i], data[2][i</a:t>
-            </a:r>
-            <a:r>
-              <a:rPr lang="nn-NO" altLang="zh-CN" dirty="0" smtClean="0"/>
-              <a:t>]])</a:t>
-            </a:r>
-          </a:p>
-          <a:p>
-            <a:endParaRPr lang="nn-NO" altLang="zh-CN" dirty="0" smtClean="0"/>
-          </a:p>
-          <a:p>
-            <a:r>
-              <a:rPr lang="nn-NO" altLang="zh-CN" dirty="0"/>
-              <a:t>print(lr.coef_)</a:t>
-            </a:r>
-          </a:p>
-          <a:p>
-            <a:r>
-              <a:rPr lang="nn-NO" altLang="zh-CN" dirty="0"/>
-              <a:t>print(lr.intercept_)</a:t>
-            </a:r>
-          </a:p>
-          <a:p>
-            <a:r>
-              <a:rPr lang="nn-NO" altLang="zh-CN"/>
-              <a:t>print(lr.predict([[1., 0.25, 0.25, 0.25]]))</a:t>
-            </a:r>
-          </a:p>
-          <a:p>
-            <a:endParaRPr lang="nn-NO" altLang="zh-CN" dirty="0"/>
-          </a:p>
-          <a:p>
-            <a:r>
-              <a:rPr lang="en-US" altLang="zh-CN" dirty="0"/>
-              <a:t>Q1: w end and b end?</a:t>
-            </a:r>
-          </a:p>
-          <a:p>
-            <a:r>
-              <a:rPr lang="en-US" altLang="zh-CN" dirty="0"/>
-              <a:t>Q2: By inputting x_1 = 0.25, x_2 = 0.25 and x_3 = 0.25, what’s the predicted result of y?</a:t>
+              <a:rPr lang="en-US" altLang="zh-CN" dirty="0" err="1"/>
+              <a:t>file_name</a:t>
+            </a:r>
+            <a:r>
+              <a:rPr lang="en-US" altLang="zh-CN" dirty="0"/>
+              <a:t> = </a:t>
+            </a:r>
+            <a:r>
+              <a:rPr lang="en-US" altLang="zh-CN" dirty="0" err="1"/>
+              <a:t>os.path.join</a:t>
+            </a:r>
+            <a:r>
+              <a:rPr lang="en-US" altLang="zh-CN" dirty="0"/>
+              <a:t>('data', 'multiple_variable.txt')</a:t>
+            </a:r>
+          </a:p>
+          <a:p>
+            <a:r>
+              <a:rPr lang="en-US" altLang="zh-CN" dirty="0"/>
+              <a:t>data = </a:t>
+            </a:r>
+            <a:r>
+              <a:rPr lang="en-US" altLang="zh-CN" dirty="0" err="1"/>
+              <a:t>pd.read_table</a:t>
+            </a:r>
+            <a:r>
+              <a:rPr lang="en-US" altLang="zh-CN" dirty="0"/>
+              <a:t>(</a:t>
+            </a:r>
+            <a:r>
+              <a:rPr lang="en-US" altLang="zh-CN" dirty="0" err="1"/>
+              <a:t>file_name</a:t>
+            </a:r>
+            <a:r>
+              <a:rPr lang="en-US" altLang="zh-CN" dirty="0"/>
+              <a:t>, </a:t>
+            </a:r>
+            <a:r>
+              <a:rPr lang="en-US" altLang="zh-CN" dirty="0" err="1"/>
+              <a:t>sep</a:t>
+            </a:r>
+            <a:r>
+              <a:rPr lang="en-US" altLang="zh-CN" dirty="0"/>
+              <a:t>='\t', header=None, quoting=3)</a:t>
+            </a:r>
+          </a:p>
+          <a:p>
+            <a:endParaRPr lang="en-US" altLang="zh-CN" dirty="0"/>
+          </a:p>
+          <a:p>
+            <a:r>
+              <a:rPr lang="en-US" altLang="zh-CN" dirty="0" err="1"/>
+              <a:t>train_x</a:t>
+            </a:r>
+            <a:r>
+              <a:rPr lang="en-US" altLang="zh-CN" dirty="0"/>
+              <a:t> = []; </a:t>
+            </a:r>
+            <a:r>
+              <a:rPr lang="en-US" altLang="zh-CN" dirty="0" err="1"/>
+              <a:t>train_y</a:t>
+            </a:r>
+            <a:r>
+              <a:rPr lang="en-US" altLang="zh-CN" dirty="0"/>
+              <a:t> = []</a:t>
+            </a:r>
+          </a:p>
+          <a:p>
+            <a:r>
+              <a:rPr lang="en-US" altLang="zh-CN" dirty="0"/>
+              <a:t>for i in range(</a:t>
+            </a:r>
+            <a:r>
+              <a:rPr lang="en-US" altLang="zh-CN" dirty="0" err="1"/>
+              <a:t>len</a:t>
+            </a:r>
+            <a:r>
+              <a:rPr lang="en-US" altLang="zh-CN" dirty="0"/>
+              <a:t>(data[0])):</a:t>
+            </a:r>
+          </a:p>
+          <a:p>
+            <a:r>
+              <a:rPr lang="en-US" altLang="zh-CN" dirty="0"/>
+              <a:t>    </a:t>
+            </a:r>
+            <a:r>
+              <a:rPr lang="en-US" altLang="zh-CN" dirty="0" err="1"/>
+              <a:t>train_x.append</a:t>
+            </a:r>
+            <a:r>
+              <a:rPr lang="en-US" altLang="zh-CN" dirty="0"/>
+              <a:t>([data[0][i], data[1][i], data[2][i]])</a:t>
+            </a:r>
+          </a:p>
+          <a:p>
+            <a:r>
+              <a:rPr lang="en-US" altLang="zh-CN" dirty="0"/>
+              <a:t>    </a:t>
+            </a:r>
+            <a:r>
+              <a:rPr lang="en-US" altLang="zh-CN" dirty="0" err="1"/>
+              <a:t>train_y.append</a:t>
+            </a:r>
+            <a:r>
+              <a:rPr lang="en-US" altLang="zh-CN" dirty="0"/>
+              <a:t>([data[3][i]])</a:t>
+            </a:r>
+          </a:p>
+          <a:p>
+            <a:endParaRPr lang="en-US" altLang="zh-CN" dirty="0"/>
+          </a:p>
+          <a:p>
+            <a:r>
+              <a:rPr lang="en-US" altLang="zh-CN" dirty="0" err="1"/>
+              <a:t>train_x</a:t>
+            </a:r>
+            <a:r>
+              <a:rPr lang="en-US" altLang="zh-CN" dirty="0"/>
+              <a:t> = </a:t>
+            </a:r>
+            <a:r>
+              <a:rPr lang="en-US" altLang="zh-CN" dirty="0" err="1"/>
+              <a:t>np.array</a:t>
+            </a:r>
+            <a:r>
+              <a:rPr lang="en-US" altLang="zh-CN" dirty="0"/>
+              <a:t>(</a:t>
+            </a:r>
+            <a:r>
+              <a:rPr lang="en-US" altLang="zh-CN" dirty="0" err="1"/>
+              <a:t>train_x</a:t>
+            </a:r>
+            <a:r>
+              <a:rPr lang="en-US" altLang="zh-CN" dirty="0"/>
+              <a:t>)</a:t>
+            </a:r>
+          </a:p>
+          <a:p>
+            <a:r>
+              <a:rPr lang="en-US" altLang="zh-CN" dirty="0" err="1"/>
+              <a:t>train_y</a:t>
+            </a:r>
+            <a:r>
+              <a:rPr lang="en-US" altLang="zh-CN" dirty="0"/>
+              <a:t> = </a:t>
+            </a:r>
+            <a:r>
+              <a:rPr lang="en-US" altLang="zh-CN" dirty="0" err="1"/>
+              <a:t>np.array</a:t>
+            </a:r>
+            <a:r>
+              <a:rPr lang="en-US" altLang="zh-CN" dirty="0"/>
+              <a:t>(</a:t>
+            </a:r>
+            <a:r>
+              <a:rPr lang="en-US" altLang="zh-CN" dirty="0" err="1"/>
+              <a:t>train_y</a:t>
+            </a:r>
+            <a:r>
+              <a:rPr lang="en-US" altLang="zh-CN" dirty="0"/>
+              <a:t>)</a:t>
             </a:r>
             <a:endParaRPr lang="zh-CN" altLang="en-US" dirty="0"/>
           </a:p>
@@ -6705,7 +6814,7 @@
           <a:p>
             <a:r>
               <a:rPr lang="en-US" altLang="zh-CN" dirty="0" smtClean="0"/>
-              <a:t>Sklearn</a:t>
+              <a:t>TensorFlow</a:t>
             </a:r>
             <a:r>
               <a:rPr lang="zh-CN" altLang="en-US" dirty="0" smtClean="0"/>
@@ -6718,7 +6827,401 @@
     </p:spTree>
     <p:extLst>
       <p:ext uri="{BB962C8B-B14F-4D97-AF65-F5344CB8AC3E}">
-        <p14:creationId xmlns:p14="http://schemas.microsoft.com/office/powerpoint/2010/main" val="2612835800"/>
+        <p14:creationId xmlns:p14="http://schemas.microsoft.com/office/powerpoint/2010/main" val="528301303"/>
+      </p:ext>
+    </p:extLst>
+  </p:cSld>
+  <p:clrMapOvr>
+    <a:masterClrMapping/>
+  </p:clrMapOvr>
+</p:sld>
+</file>
+
+<file path=ppt/slides/slide18.xml><?xml version="1.0" encoding="utf-8"?>
+<p:sld xmlns:a="http://schemas.openxmlformats.org/drawingml/2006/main" xmlns:r="http://schemas.openxmlformats.org/officeDocument/2006/relationships" xmlns:p="http://schemas.openxmlformats.org/presentationml/2006/main">
+  <p:cSld>
+    <p:spTree>
+      <p:nvGrpSpPr>
+        <p:cNvPr id="1" name=""/>
+        <p:cNvGrpSpPr/>
+        <p:nvPr/>
+      </p:nvGrpSpPr>
+      <p:grpSpPr>
+        <a:xfrm>
+          <a:off x="0" y="0"/>
+          <a:ext cx="0" cy="0"/>
+          <a:chOff x="0" y="0"/>
+          <a:chExt cx="0" cy="0"/>
+        </a:xfrm>
+      </p:grpSpPr>
+      <p:sp>
+        <p:nvSpPr>
+          <p:cNvPr id="2" name="内容占位符 1"/>
+          <p:cNvSpPr>
+            <a:spLocks noGrp="1"/>
+          </p:cNvSpPr>
+          <p:nvPr>
+            <p:ph sz="half" idx="2"/>
+          </p:nvPr>
+        </p:nvSpPr>
+        <p:spPr/>
+        <p:txBody>
+          <a:bodyPr/>
+          <a:lstStyle/>
+          <a:p>
+            <a:r>
+              <a:rPr lang="en-US" altLang="zh-CN" dirty="0"/>
+              <a:t>2. Model Representation</a:t>
+            </a:r>
+          </a:p>
+          <a:p>
+            <a:pPr marL="342900" indent="-342900">
+              <a:buFont typeface="Wingdings" panose="05000000000000000000" pitchFamily="2" charset="2"/>
+              <a:buChar char="l"/>
+            </a:pPr>
+            <a:r>
+              <a:rPr lang="en-US" altLang="zh-CN" dirty="0"/>
+              <a:t> Input Placeholder (input training sample)</a:t>
+            </a:r>
+          </a:p>
+          <a:p>
+            <a:pPr marL="800100" lvl="1" indent="-342900">
+              <a:buFont typeface="Wingdings" panose="05000000000000000000" pitchFamily="2" charset="2"/>
+              <a:buChar char="Ø"/>
+            </a:pPr>
+            <a:r>
+              <a:rPr lang="da-DK" altLang="zh-CN" dirty="0"/>
+              <a:t>x = tf.placeholder("float", [None, 3])</a:t>
+            </a:r>
+          </a:p>
+          <a:p>
+            <a:pPr marL="800100" lvl="1" indent="-342900">
+              <a:buFont typeface="Wingdings" panose="05000000000000000000" pitchFamily="2" charset="2"/>
+              <a:buChar char="Ø"/>
+            </a:pPr>
+            <a:r>
+              <a:rPr lang="da-DK" altLang="zh-CN" dirty="0"/>
+              <a:t>y = tf.placeholder("float", [None, 1]) </a:t>
+            </a:r>
+            <a:endParaRPr lang="en-US" altLang="zh-CN" dirty="0"/>
+          </a:p>
+          <a:p>
+            <a:pPr marL="342900" indent="-342900">
+              <a:buFont typeface="Wingdings" panose="05000000000000000000" pitchFamily="2" charset="2"/>
+              <a:buChar char="l"/>
+            </a:pPr>
+            <a:endParaRPr lang="en-US" altLang="zh-CN" dirty="0"/>
+          </a:p>
+          <a:p>
+            <a:pPr marL="342900" indent="-342900">
+              <a:buFont typeface="Wingdings" panose="05000000000000000000" pitchFamily="2" charset="2"/>
+              <a:buChar char="l"/>
+            </a:pPr>
+            <a:r>
+              <a:rPr lang="en-US" altLang="zh-CN" dirty="0"/>
+              <a:t>Variable Placeholder (need to be trained)</a:t>
+            </a:r>
+          </a:p>
+          <a:p>
+            <a:pPr marL="800100" lvl="1" indent="-342900">
+              <a:buFont typeface="Wingdings" panose="05000000000000000000" pitchFamily="2" charset="2"/>
+              <a:buChar char="Ø"/>
+            </a:pPr>
+            <a:r>
+              <a:rPr lang="en-US" altLang="zh-CN" dirty="0"/>
+              <a:t>w = </a:t>
+            </a:r>
+            <a:r>
+              <a:rPr lang="en-US" altLang="zh-CN" dirty="0" err="1"/>
+              <a:t>tf.Variable</a:t>
+            </a:r>
+            <a:r>
+              <a:rPr lang="en-US" altLang="zh-CN" dirty="0"/>
+              <a:t>(</a:t>
+            </a:r>
+            <a:r>
+              <a:rPr lang="en-US" altLang="zh-CN" dirty="0" err="1"/>
+              <a:t>tf.random_uniform</a:t>
+            </a:r>
+            <a:r>
+              <a:rPr lang="en-US" altLang="zh-CN" dirty="0"/>
+              <a:t>([3, 1], -1., 1.))</a:t>
+            </a:r>
+          </a:p>
+          <a:p>
+            <a:pPr marL="800100" lvl="1" indent="-342900">
+              <a:buFont typeface="Wingdings" panose="05000000000000000000" pitchFamily="2" charset="2"/>
+              <a:buChar char="Ø"/>
+            </a:pPr>
+            <a:r>
+              <a:rPr lang="en-US" altLang="zh-CN" dirty="0"/>
+              <a:t>b = </a:t>
+            </a:r>
+            <a:r>
+              <a:rPr lang="en-US" altLang="zh-CN" dirty="0" err="1"/>
+              <a:t>tf.Variable</a:t>
+            </a:r>
+            <a:r>
+              <a:rPr lang="en-US" altLang="zh-CN" dirty="0"/>
+              <a:t>(</a:t>
+            </a:r>
+            <a:r>
+              <a:rPr lang="en-US" altLang="zh-CN" dirty="0" err="1"/>
+              <a:t>tf.zeros</a:t>
+            </a:r>
+            <a:r>
+              <a:rPr lang="en-US" altLang="zh-CN" dirty="0"/>
+              <a:t>([1]))</a:t>
+            </a:r>
+          </a:p>
+          <a:p>
+            <a:pPr marL="800100" lvl="1" indent="-342900">
+              <a:buFont typeface="Wingdings" panose="05000000000000000000" pitchFamily="2" charset="2"/>
+              <a:buChar char="Ø"/>
+            </a:pPr>
+            <a:endParaRPr lang="en-US" altLang="zh-CN" dirty="0"/>
+          </a:p>
+          <a:p>
+            <a:pPr marL="342900" indent="-342900">
+              <a:buFont typeface="Wingdings" panose="05000000000000000000" pitchFamily="2" charset="2"/>
+              <a:buChar char="l"/>
+            </a:pPr>
+            <a:r>
+              <a:rPr lang="en-US" altLang="zh-CN" dirty="0"/>
+              <a:t>Model</a:t>
+            </a:r>
+          </a:p>
+          <a:p>
+            <a:pPr marL="800100" lvl="1" indent="-342900">
+              <a:buFont typeface="Wingdings" panose="05000000000000000000" pitchFamily="2" charset="2"/>
+              <a:buChar char="Ø"/>
+            </a:pPr>
+            <a:r>
+              <a:rPr lang="en-US" altLang="zh-CN" dirty="0" err="1"/>
+              <a:t>y_pred</a:t>
+            </a:r>
+            <a:r>
+              <a:rPr lang="en-US" altLang="zh-CN" dirty="0"/>
+              <a:t> = </a:t>
+            </a:r>
+            <a:r>
+              <a:rPr lang="en-US" altLang="zh-CN" dirty="0" err="1"/>
+              <a:t>tf.matmul</a:t>
+            </a:r>
+            <a:r>
+              <a:rPr lang="en-US" altLang="zh-CN" dirty="0"/>
+              <a:t>(x, w) + b</a:t>
+            </a:r>
+            <a:endParaRPr lang="zh-CN" altLang="en-US" dirty="0"/>
+          </a:p>
+          <a:p>
+            <a:endParaRPr lang="zh-CN" altLang="en-US" dirty="0"/>
+          </a:p>
+        </p:txBody>
+      </p:sp>
+      <p:sp>
+        <p:nvSpPr>
+          <p:cNvPr id="3" name="标题 2"/>
+          <p:cNvSpPr>
+            <a:spLocks noGrp="1"/>
+          </p:cNvSpPr>
+          <p:nvPr>
+            <p:ph type="title"/>
+          </p:nvPr>
+        </p:nvSpPr>
+        <p:spPr/>
+        <p:txBody>
+          <a:bodyPr/>
+          <a:lstStyle/>
+          <a:p>
+            <a:r>
+              <a:rPr lang="en-US" altLang="zh-CN" dirty="0"/>
+              <a:t>TensorFlow</a:t>
+            </a:r>
+            <a:r>
+              <a:rPr lang="zh-CN" altLang="en-US" dirty="0"/>
+              <a:t>版</a:t>
+            </a:r>
+          </a:p>
+        </p:txBody>
+      </p:sp>
+    </p:spTree>
+    <p:extLst>
+      <p:ext uri="{BB962C8B-B14F-4D97-AF65-F5344CB8AC3E}">
+        <p14:creationId xmlns:p14="http://schemas.microsoft.com/office/powerpoint/2010/main" val="502697657"/>
+      </p:ext>
+    </p:extLst>
+  </p:cSld>
+  <p:clrMapOvr>
+    <a:masterClrMapping/>
+  </p:clrMapOvr>
+</p:sld>
+</file>
+
+<file path=ppt/slides/slide19.xml><?xml version="1.0" encoding="utf-8"?>
+<p:sld xmlns:a="http://schemas.openxmlformats.org/drawingml/2006/main" xmlns:r="http://schemas.openxmlformats.org/officeDocument/2006/relationships" xmlns:p="http://schemas.openxmlformats.org/presentationml/2006/main">
+  <p:cSld>
+    <p:spTree>
+      <p:nvGrpSpPr>
+        <p:cNvPr id="1" name=""/>
+        <p:cNvGrpSpPr/>
+        <p:nvPr/>
+      </p:nvGrpSpPr>
+      <p:grpSpPr>
+        <a:xfrm>
+          <a:off x="0" y="0"/>
+          <a:ext cx="0" cy="0"/>
+          <a:chOff x="0" y="0"/>
+          <a:chExt cx="0" cy="0"/>
+        </a:xfrm>
+      </p:grpSpPr>
+      <p:sp>
+        <p:nvSpPr>
+          <p:cNvPr id="2" name="内容占位符 1"/>
+          <p:cNvSpPr>
+            <a:spLocks noGrp="1"/>
+          </p:cNvSpPr>
+          <p:nvPr>
+            <p:ph sz="half" idx="2"/>
+          </p:nvPr>
+        </p:nvSpPr>
+        <p:spPr/>
+        <p:txBody>
+          <a:bodyPr/>
+          <a:lstStyle/>
+          <a:p>
+            <a:pPr marL="342900" indent="-342900">
+              <a:buFont typeface="Wingdings" panose="05000000000000000000" pitchFamily="2" charset="2"/>
+              <a:buChar char="l"/>
+            </a:pPr>
+            <a:r>
+              <a:rPr lang="en-US" altLang="zh-CN" dirty="0" smtClean="0"/>
+              <a:t>Try to modified the scripts of </a:t>
+            </a:r>
+            <a:r>
+              <a:rPr lang="en-US" altLang="zh-CN" dirty="0" err="1" smtClean="0"/>
+              <a:t>one_variable</a:t>
+            </a:r>
+            <a:r>
+              <a:rPr lang="en-US" altLang="zh-CN" dirty="0" smtClean="0"/>
+              <a:t> linear regression.</a:t>
+            </a:r>
+          </a:p>
+          <a:p>
+            <a:pPr marL="342900" indent="-342900">
+              <a:buFont typeface="Wingdings" panose="05000000000000000000" pitchFamily="2" charset="2"/>
+              <a:buChar char="l"/>
+            </a:pPr>
+            <a:endParaRPr lang="en-US" altLang="zh-CN" dirty="0"/>
+          </a:p>
+          <a:p>
+            <a:pPr marL="342900" indent="-342900">
+              <a:buFont typeface="Wingdings" panose="05000000000000000000" pitchFamily="2" charset="2"/>
+              <a:buChar char="l"/>
+            </a:pPr>
+            <a:r>
+              <a:rPr lang="en-US" altLang="zh-CN" dirty="0" smtClean="0"/>
+              <a:t>Predict the results of y:</a:t>
+            </a:r>
+          </a:p>
+          <a:p>
+            <a:r>
+              <a:rPr lang="en-US" altLang="zh-CN" dirty="0"/>
+              <a:t>print('</a:t>
+            </a:r>
+            <a:r>
+              <a:rPr lang="en-US" altLang="zh-CN" dirty="0" err="1"/>
+              <a:t>y_pred</a:t>
+            </a:r>
+            <a:r>
+              <a:rPr lang="en-US" altLang="zh-CN" dirty="0"/>
+              <a:t> is ', </a:t>
+            </a:r>
+            <a:r>
+              <a:rPr lang="en-US" altLang="zh-CN" dirty="0" err="1"/>
+              <a:t>sess.run</a:t>
+            </a:r>
+            <a:r>
+              <a:rPr lang="en-US" altLang="zh-CN" dirty="0"/>
+              <a:t>(</a:t>
+            </a:r>
+            <a:r>
+              <a:rPr lang="en-US" altLang="zh-CN" dirty="0" err="1"/>
+              <a:t>y_pred</a:t>
+            </a:r>
+            <a:r>
+              <a:rPr lang="en-US" altLang="zh-CN" dirty="0"/>
+              <a:t>, {x: [[0.25, 0.25, 0.25</a:t>
+            </a:r>
+            <a:r>
+              <a:rPr lang="en-US" altLang="zh-CN" dirty="0" smtClean="0"/>
+              <a:t>]]}))</a:t>
+            </a:r>
+          </a:p>
+          <a:p>
+            <a:endParaRPr lang="en-US" altLang="zh-CN" dirty="0"/>
+          </a:p>
+          <a:p>
+            <a:r>
+              <a:rPr lang="en-US" altLang="zh-CN" dirty="0"/>
+              <a:t>Q1: w end and b end?</a:t>
+            </a:r>
+          </a:p>
+          <a:p>
+            <a:r>
+              <a:rPr lang="en-US" altLang="zh-CN" dirty="0"/>
+              <a:t>Q2: By inputting </a:t>
+            </a:r>
+            <a:r>
+              <a:rPr lang="en-US" altLang="zh-CN" dirty="0" smtClean="0"/>
+              <a:t>x_1 </a:t>
+            </a:r>
+            <a:r>
+              <a:rPr lang="en-US" altLang="zh-CN" dirty="0"/>
+              <a:t>= </a:t>
+            </a:r>
+            <a:r>
+              <a:rPr lang="en-US" altLang="zh-CN" dirty="0" smtClean="0"/>
+              <a:t>0.25, x_2 = 0.25 and x_3 = 0.25, </a:t>
+            </a:r>
+            <a:r>
+              <a:rPr lang="en-US" altLang="zh-CN" dirty="0"/>
+              <a:t>what’s the predicted result of y?</a:t>
+            </a:r>
+            <a:endParaRPr lang="zh-CN" altLang="en-US" dirty="0"/>
+          </a:p>
+        </p:txBody>
+      </p:sp>
+      <p:sp>
+        <p:nvSpPr>
+          <p:cNvPr id="3" name="标题 2"/>
+          <p:cNvSpPr>
+            <a:spLocks noGrp="1"/>
+          </p:cNvSpPr>
+          <p:nvPr>
+            <p:ph type="title"/>
+          </p:nvPr>
+        </p:nvSpPr>
+        <p:spPr/>
+        <p:txBody>
+          <a:bodyPr/>
+          <a:lstStyle/>
+          <a:p>
+            <a:r>
+              <a:rPr lang="en-US" altLang="zh-CN" dirty="0"/>
+              <a:t>TensorFlow</a:t>
+            </a:r>
+            <a:r>
+              <a:rPr lang="zh-CN" altLang="en-US" dirty="0"/>
+              <a:t>版</a:t>
+            </a:r>
+          </a:p>
+        </p:txBody>
+      </p:sp>
+    </p:spTree>
+    <p:extLst>
+      <p:ext uri="{BB962C8B-B14F-4D97-AF65-F5344CB8AC3E}">
+        <p14:creationId xmlns:p14="http://schemas.microsoft.com/office/powerpoint/2010/main" val="1843624923"/>
       </p:ext>
     </p:extLst>
   </p:cSld>
@@ -6852,6 +7355,774 @@
     <p:extLst>
       <p:ext uri="{BB962C8B-B14F-4D97-AF65-F5344CB8AC3E}">
         <p14:creationId xmlns:p14="http://schemas.microsoft.com/office/powerpoint/2010/main" val="4214874956"/>
+      </p:ext>
+    </p:extLst>
+  </p:cSld>
+  <p:clrMapOvr>
+    <a:masterClrMapping/>
+  </p:clrMapOvr>
+</p:sld>
+</file>
+
+<file path=ppt/slides/slide20.xml><?xml version="1.0" encoding="utf-8"?>
+<p:sld xmlns:a="http://schemas.openxmlformats.org/drawingml/2006/main" xmlns:r="http://schemas.openxmlformats.org/officeDocument/2006/relationships" xmlns:p="http://schemas.openxmlformats.org/presentationml/2006/main">
+  <p:cSld>
+    <p:spTree>
+      <p:nvGrpSpPr>
+        <p:cNvPr id="1" name=""/>
+        <p:cNvGrpSpPr/>
+        <p:nvPr/>
+      </p:nvGrpSpPr>
+      <p:grpSpPr>
+        <a:xfrm>
+          <a:off x="0" y="0"/>
+          <a:ext cx="0" cy="0"/>
+          <a:chOff x="0" y="0"/>
+          <a:chExt cx="0" cy="0"/>
+        </a:xfrm>
+      </p:grpSpPr>
+      <p:sp>
+        <p:nvSpPr>
+          <p:cNvPr id="2" name="内容占位符 1"/>
+          <p:cNvSpPr>
+            <a:spLocks noGrp="1"/>
+          </p:cNvSpPr>
+          <p:nvPr>
+            <p:ph sz="half" idx="2"/>
+          </p:nvPr>
+        </p:nvSpPr>
+        <p:spPr/>
+        <p:txBody>
+          <a:bodyPr>
+            <a:normAutofit fontScale="92500" lnSpcReduction="10000"/>
+          </a:bodyPr>
+          <a:lstStyle/>
+          <a:p>
+            <a:pPr marL="342900" indent="-342900">
+              <a:buFont typeface="Wingdings" panose="05000000000000000000" pitchFamily="2" charset="2"/>
+              <a:buChar char="l"/>
+            </a:pPr>
+            <a:r>
+              <a:rPr lang="en-US" altLang="zh-CN" dirty="0"/>
+              <a:t>Try to modified the scripts of </a:t>
+            </a:r>
+            <a:r>
+              <a:rPr lang="en-US" altLang="zh-CN" dirty="0" err="1"/>
+              <a:t>one_variable</a:t>
+            </a:r>
+            <a:r>
+              <a:rPr lang="en-US" altLang="zh-CN" dirty="0"/>
+              <a:t> linear regression</a:t>
+            </a:r>
+            <a:r>
+              <a:rPr lang="en-US" altLang="zh-CN" dirty="0" smtClean="0"/>
+              <a:t>.</a:t>
+            </a:r>
+          </a:p>
+          <a:p>
+            <a:pPr marL="342900" indent="-342900">
+              <a:buFont typeface="Wingdings" panose="05000000000000000000" pitchFamily="2" charset="2"/>
+              <a:buChar char="l"/>
+            </a:pPr>
+            <a:endParaRPr lang="en-US" altLang="zh-CN" dirty="0"/>
+          </a:p>
+          <a:p>
+            <a:r>
+              <a:rPr lang="nn-NO" altLang="zh-CN" dirty="0"/>
+              <a:t>train_x = []</a:t>
+            </a:r>
+          </a:p>
+          <a:p>
+            <a:r>
+              <a:rPr lang="nn-NO" altLang="zh-CN" dirty="0"/>
+              <a:t>for i in range(len(data[0])):</a:t>
+            </a:r>
+          </a:p>
+          <a:p>
+            <a:r>
+              <a:rPr lang="nn-NO" altLang="zh-CN" dirty="0"/>
+              <a:t>    train_x.append([1., data[0][i], data[1][i], data[2][i</a:t>
+            </a:r>
+            <a:r>
+              <a:rPr lang="nn-NO" altLang="zh-CN" dirty="0" smtClean="0"/>
+              <a:t>]])</a:t>
+            </a:r>
+          </a:p>
+          <a:p>
+            <a:endParaRPr lang="nn-NO" altLang="zh-CN" dirty="0" smtClean="0"/>
+          </a:p>
+          <a:p>
+            <a:r>
+              <a:rPr lang="nn-NO" altLang="zh-CN" dirty="0"/>
+              <a:t>print(lr.coef_)</a:t>
+            </a:r>
+          </a:p>
+          <a:p>
+            <a:r>
+              <a:rPr lang="nn-NO" altLang="zh-CN" dirty="0"/>
+              <a:t>print(lr.intercept_)</a:t>
+            </a:r>
+          </a:p>
+          <a:p>
+            <a:r>
+              <a:rPr lang="nn-NO" altLang="zh-CN" dirty="0"/>
+              <a:t>print(lr.predict([[1., 0.25, 0.25, 0.25]]))</a:t>
+            </a:r>
+          </a:p>
+          <a:p>
+            <a:endParaRPr lang="nn-NO" altLang="zh-CN" dirty="0"/>
+          </a:p>
+          <a:p>
+            <a:r>
+              <a:rPr lang="en-US" altLang="zh-CN" dirty="0"/>
+              <a:t>Q1: w end and b end?</a:t>
+            </a:r>
+          </a:p>
+          <a:p>
+            <a:r>
+              <a:rPr lang="en-US" altLang="zh-CN" dirty="0"/>
+              <a:t>Q2: By inputting x_1 = 0.25, x_2 = 0.25 and x_3 = 0.25, what’s the predicted result of y?</a:t>
+            </a:r>
+            <a:endParaRPr lang="zh-CN" altLang="en-US" dirty="0"/>
+          </a:p>
+        </p:txBody>
+      </p:sp>
+      <p:sp>
+        <p:nvSpPr>
+          <p:cNvPr id="3" name="标题 2"/>
+          <p:cNvSpPr>
+            <a:spLocks noGrp="1"/>
+          </p:cNvSpPr>
+          <p:nvPr>
+            <p:ph type="title"/>
+          </p:nvPr>
+        </p:nvSpPr>
+        <p:spPr/>
+        <p:txBody>
+          <a:bodyPr/>
+          <a:lstStyle/>
+          <a:p>
+            <a:r>
+              <a:rPr lang="en-US" altLang="zh-CN" dirty="0" smtClean="0"/>
+              <a:t>Sklearn</a:t>
+            </a:r>
+            <a:r>
+              <a:rPr lang="zh-CN" altLang="en-US" dirty="0" smtClean="0"/>
+              <a:t>版</a:t>
+            </a:r>
+            <a:endParaRPr lang="zh-CN" altLang="en-US" dirty="0"/>
+          </a:p>
+        </p:txBody>
+      </p:sp>
+    </p:spTree>
+    <p:extLst>
+      <p:ext uri="{BB962C8B-B14F-4D97-AF65-F5344CB8AC3E}">
+        <p14:creationId xmlns:p14="http://schemas.microsoft.com/office/powerpoint/2010/main" val="2612835800"/>
+      </p:ext>
+    </p:extLst>
+  </p:cSld>
+  <p:clrMapOvr>
+    <a:masterClrMapping/>
+  </p:clrMapOvr>
+</p:sld>
+</file>
+
+<file path=ppt/slides/slide21.xml><?xml version="1.0" encoding="utf-8"?>
+<p:sld xmlns:a="http://schemas.openxmlformats.org/drawingml/2006/main" xmlns:r="http://schemas.openxmlformats.org/officeDocument/2006/relationships" xmlns:p="http://schemas.openxmlformats.org/presentationml/2006/main">
+  <p:cSld>
+    <p:spTree>
+      <p:nvGrpSpPr>
+        <p:cNvPr id="1" name=""/>
+        <p:cNvGrpSpPr/>
+        <p:nvPr/>
+      </p:nvGrpSpPr>
+      <p:grpSpPr>
+        <a:xfrm>
+          <a:off x="0" y="0"/>
+          <a:ext cx="0" cy="0"/>
+          <a:chOff x="0" y="0"/>
+          <a:chExt cx="0" cy="0"/>
+        </a:xfrm>
+      </p:grpSpPr>
+      <p:sp>
+        <p:nvSpPr>
+          <p:cNvPr id="2" name="内容占位符 1"/>
+          <p:cNvSpPr>
+            <a:spLocks noGrp="1"/>
+          </p:cNvSpPr>
+          <p:nvPr>
+            <p:ph sz="half" idx="2"/>
+          </p:nvPr>
+        </p:nvSpPr>
+        <p:spPr/>
+        <p:txBody>
+          <a:bodyPr>
+            <a:normAutofit fontScale="92500"/>
+          </a:bodyPr>
+          <a:lstStyle/>
+          <a:p>
+            <a:pPr marL="342900" indent="-342900">
+              <a:buFont typeface="Wingdings" panose="05000000000000000000" pitchFamily="2" charset="2"/>
+              <a:buChar char="l"/>
+            </a:pPr>
+            <a:r>
+              <a:rPr lang="en-US" altLang="zh-CN" dirty="0"/>
+              <a:t>Loading Data</a:t>
+            </a:r>
+          </a:p>
+          <a:p>
+            <a:pPr marL="342900" indent="-342900">
+              <a:buFont typeface="Wingdings" panose="05000000000000000000" pitchFamily="2" charset="2"/>
+              <a:buChar char="l"/>
+            </a:pPr>
+            <a:r>
+              <a:rPr lang="en-US" altLang="zh-CN" dirty="0"/>
+              <a:t>As same as Sklearn version</a:t>
+            </a:r>
+          </a:p>
+          <a:p>
+            <a:endParaRPr lang="en-US" altLang="zh-CN" dirty="0" smtClean="0"/>
+          </a:p>
+          <a:p>
+            <a:r>
+              <a:rPr lang="en-US" altLang="zh-CN" dirty="0" err="1" smtClean="0"/>
+              <a:t>file_name</a:t>
+            </a:r>
+            <a:r>
+              <a:rPr lang="en-US" altLang="zh-CN" dirty="0" smtClean="0"/>
+              <a:t> </a:t>
+            </a:r>
+            <a:r>
+              <a:rPr lang="en-US" altLang="zh-CN" dirty="0"/>
+              <a:t>= </a:t>
+            </a:r>
+            <a:r>
+              <a:rPr lang="en-US" altLang="zh-CN" dirty="0" err="1"/>
+              <a:t>os.path.join</a:t>
+            </a:r>
+            <a:r>
+              <a:rPr lang="en-US" altLang="zh-CN" dirty="0"/>
+              <a:t>('data', 'multiple_variable.txt')</a:t>
+            </a:r>
+          </a:p>
+          <a:p>
+            <a:r>
+              <a:rPr lang="en-US" altLang="zh-CN" dirty="0"/>
+              <a:t>data = </a:t>
+            </a:r>
+            <a:r>
+              <a:rPr lang="en-US" altLang="zh-CN" dirty="0" err="1"/>
+              <a:t>pd.read_table</a:t>
+            </a:r>
+            <a:r>
+              <a:rPr lang="en-US" altLang="zh-CN" dirty="0"/>
+              <a:t>(</a:t>
+            </a:r>
+            <a:r>
+              <a:rPr lang="en-US" altLang="zh-CN" dirty="0" err="1"/>
+              <a:t>file_name</a:t>
+            </a:r>
+            <a:r>
+              <a:rPr lang="en-US" altLang="zh-CN" dirty="0"/>
+              <a:t>, </a:t>
+            </a:r>
+            <a:r>
+              <a:rPr lang="en-US" altLang="zh-CN" dirty="0" err="1"/>
+              <a:t>sep</a:t>
+            </a:r>
+            <a:r>
+              <a:rPr lang="en-US" altLang="zh-CN" dirty="0"/>
+              <a:t>='\t', header=None, quoting=3)</a:t>
+            </a:r>
+          </a:p>
+          <a:p>
+            <a:endParaRPr lang="en-US" altLang="zh-CN" dirty="0"/>
+          </a:p>
+          <a:p>
+            <a:r>
+              <a:rPr lang="en-US" altLang="zh-CN" dirty="0" err="1"/>
+              <a:t>train_x</a:t>
+            </a:r>
+            <a:r>
+              <a:rPr lang="en-US" altLang="zh-CN" dirty="0"/>
+              <a:t> = []</a:t>
+            </a:r>
+          </a:p>
+          <a:p>
+            <a:r>
+              <a:rPr lang="en-US" altLang="zh-CN" dirty="0"/>
+              <a:t>for i in range(</a:t>
+            </a:r>
+            <a:r>
+              <a:rPr lang="en-US" altLang="zh-CN" dirty="0" err="1"/>
+              <a:t>len</a:t>
+            </a:r>
+            <a:r>
+              <a:rPr lang="en-US" altLang="zh-CN" dirty="0"/>
+              <a:t>(data[0])):</a:t>
+            </a:r>
+          </a:p>
+          <a:p>
+            <a:r>
+              <a:rPr lang="en-US" altLang="zh-CN" dirty="0"/>
+              <a:t>    </a:t>
+            </a:r>
+            <a:r>
+              <a:rPr lang="en-US" altLang="zh-CN" dirty="0" err="1"/>
+              <a:t>train_x.append</a:t>
+            </a:r>
+            <a:r>
+              <a:rPr lang="en-US" altLang="zh-CN" dirty="0" smtClean="0"/>
+              <a:t>([data[0</a:t>
+            </a:r>
+            <a:r>
+              <a:rPr lang="en-US" altLang="zh-CN" dirty="0"/>
+              <a:t>][i], data[1][i], data[2][i</a:t>
+            </a:r>
+            <a:r>
+              <a:rPr lang="en-US" altLang="zh-CN" dirty="0" smtClean="0"/>
+              <a:t>]])</a:t>
+            </a:r>
+          </a:p>
+          <a:p>
+            <a:endParaRPr lang="en-US" altLang="zh-CN" dirty="0"/>
+          </a:p>
+          <a:p>
+            <a:r>
+              <a:rPr lang="en-US" altLang="zh-CN" dirty="0" err="1"/>
+              <a:t>train_x</a:t>
+            </a:r>
+            <a:r>
+              <a:rPr lang="en-US" altLang="zh-CN" dirty="0"/>
+              <a:t> = </a:t>
+            </a:r>
+            <a:r>
+              <a:rPr lang="en-US" altLang="zh-CN" dirty="0" err="1"/>
+              <a:t>np.array</a:t>
+            </a:r>
+            <a:r>
+              <a:rPr lang="en-US" altLang="zh-CN" dirty="0"/>
+              <a:t>(</a:t>
+            </a:r>
+            <a:r>
+              <a:rPr lang="en-US" altLang="zh-CN" dirty="0" err="1"/>
+              <a:t>train_x</a:t>
+            </a:r>
+            <a:r>
+              <a:rPr lang="en-US" altLang="zh-CN" dirty="0"/>
+              <a:t>)</a:t>
+            </a:r>
+          </a:p>
+          <a:p>
+            <a:r>
+              <a:rPr lang="en-US" altLang="zh-CN" dirty="0" err="1"/>
+              <a:t>train_y</a:t>
+            </a:r>
+            <a:r>
+              <a:rPr lang="en-US" altLang="zh-CN" dirty="0"/>
+              <a:t> = </a:t>
+            </a:r>
+            <a:r>
+              <a:rPr lang="en-US" altLang="zh-CN" dirty="0" err="1"/>
+              <a:t>np.array</a:t>
+            </a:r>
+            <a:r>
+              <a:rPr lang="en-US" altLang="zh-CN" dirty="0"/>
+              <a:t>(data[3])</a:t>
+            </a:r>
+            <a:endParaRPr lang="zh-CN" altLang="en-US" dirty="0"/>
+          </a:p>
+        </p:txBody>
+      </p:sp>
+      <p:sp>
+        <p:nvSpPr>
+          <p:cNvPr id="3" name="标题 2"/>
+          <p:cNvSpPr>
+            <a:spLocks noGrp="1"/>
+          </p:cNvSpPr>
+          <p:nvPr>
+            <p:ph type="title"/>
+          </p:nvPr>
+        </p:nvSpPr>
+        <p:spPr/>
+        <p:txBody>
+          <a:bodyPr/>
+          <a:lstStyle/>
+          <a:p>
+            <a:r>
+              <a:rPr lang="en-US" altLang="zh-CN" dirty="0" smtClean="0"/>
+              <a:t>Keras</a:t>
+            </a:r>
+            <a:r>
+              <a:rPr lang="zh-CN" altLang="en-US" dirty="0" smtClean="0"/>
+              <a:t>版</a:t>
+            </a:r>
+            <a:endParaRPr lang="zh-CN" altLang="en-US" dirty="0"/>
+          </a:p>
+        </p:txBody>
+      </p:sp>
+    </p:spTree>
+    <p:extLst>
+      <p:ext uri="{BB962C8B-B14F-4D97-AF65-F5344CB8AC3E}">
+        <p14:creationId xmlns:p14="http://schemas.microsoft.com/office/powerpoint/2010/main" val="659198981"/>
+      </p:ext>
+    </p:extLst>
+  </p:cSld>
+  <p:clrMapOvr>
+    <a:masterClrMapping/>
+  </p:clrMapOvr>
+</p:sld>
+</file>
+
+<file path=ppt/slides/slide22.xml><?xml version="1.0" encoding="utf-8"?>
+<p:sld xmlns:a="http://schemas.openxmlformats.org/drawingml/2006/main" xmlns:r="http://schemas.openxmlformats.org/officeDocument/2006/relationships" xmlns:p="http://schemas.openxmlformats.org/presentationml/2006/main">
+  <p:cSld>
+    <p:spTree>
+      <p:nvGrpSpPr>
+        <p:cNvPr id="1" name=""/>
+        <p:cNvGrpSpPr/>
+        <p:nvPr/>
+      </p:nvGrpSpPr>
+      <p:grpSpPr>
+        <a:xfrm>
+          <a:off x="0" y="0"/>
+          <a:ext cx="0" cy="0"/>
+          <a:chOff x="0" y="0"/>
+          <a:chExt cx="0" cy="0"/>
+        </a:xfrm>
+      </p:grpSpPr>
+      <p:sp>
+        <p:nvSpPr>
+          <p:cNvPr id="2" name="内容占位符 1"/>
+          <p:cNvSpPr>
+            <a:spLocks noGrp="1"/>
+          </p:cNvSpPr>
+          <p:nvPr>
+            <p:ph sz="half" idx="2"/>
+          </p:nvPr>
+        </p:nvSpPr>
+        <p:spPr/>
+        <p:txBody>
+          <a:bodyPr/>
+          <a:lstStyle/>
+          <a:p>
+            <a:pPr marL="342900" indent="-342900">
+              <a:buFont typeface="Wingdings" panose="05000000000000000000" pitchFamily="2" charset="2"/>
+              <a:buChar char="l"/>
+            </a:pPr>
+            <a:r>
+              <a:rPr lang="en-US" altLang="zh-CN" dirty="0"/>
+              <a:t>Define the </a:t>
+            </a:r>
+            <a:r>
+              <a:rPr lang="en-US" altLang="zh-CN" dirty="0" smtClean="0"/>
+              <a:t>model and Training</a:t>
+            </a:r>
+            <a:endParaRPr lang="en-US" altLang="zh-CN" dirty="0"/>
+          </a:p>
+          <a:p>
+            <a:endParaRPr lang="en-US" altLang="zh-CN" dirty="0" smtClean="0"/>
+          </a:p>
+          <a:p>
+            <a:r>
+              <a:rPr lang="en-US" altLang="zh-CN" dirty="0"/>
+              <a:t>x = Input(shape</a:t>
+            </a:r>
+            <a:r>
+              <a:rPr lang="en-US" altLang="zh-CN" dirty="0" smtClean="0"/>
+              <a:t>=(3, </a:t>
+            </a:r>
+            <a:r>
+              <a:rPr lang="en-US" altLang="zh-CN" dirty="0"/>
+              <a:t>))</a:t>
+            </a:r>
+          </a:p>
+          <a:p>
+            <a:r>
+              <a:rPr lang="en-US" altLang="zh-CN" dirty="0"/>
+              <a:t>y = Dense(1, activation='linear')(x</a:t>
+            </a:r>
+            <a:r>
+              <a:rPr lang="en-US" altLang="zh-CN" dirty="0" smtClean="0"/>
+              <a:t>)</a:t>
+            </a:r>
+          </a:p>
+          <a:p>
+            <a:endParaRPr lang="en-US" altLang="zh-CN" dirty="0"/>
+          </a:p>
+          <a:p>
+            <a:r>
+              <a:rPr lang="en-US" altLang="zh-CN" dirty="0"/>
+              <a:t>model = Model(x, y)</a:t>
+            </a:r>
+          </a:p>
+          <a:p>
+            <a:r>
+              <a:rPr lang="en-US" altLang="zh-CN" dirty="0" err="1"/>
+              <a:t>model.compile</a:t>
+            </a:r>
+            <a:r>
+              <a:rPr lang="en-US" altLang="zh-CN" dirty="0"/>
+              <a:t>(optimizer='</a:t>
+            </a:r>
+            <a:r>
+              <a:rPr lang="en-US" altLang="zh-CN" dirty="0" err="1"/>
+              <a:t>sgd</a:t>
+            </a:r>
+            <a:r>
+              <a:rPr lang="en-US" altLang="zh-CN" dirty="0"/>
+              <a:t>', loss='</a:t>
+            </a:r>
+            <a:r>
+              <a:rPr lang="en-US" altLang="zh-CN" dirty="0" err="1"/>
+              <a:t>mean_squared_error</a:t>
+            </a:r>
+            <a:r>
+              <a:rPr lang="en-US" altLang="zh-CN" dirty="0"/>
+              <a:t>')</a:t>
+            </a:r>
+          </a:p>
+          <a:p>
+            <a:r>
+              <a:rPr lang="en-US" altLang="zh-CN" dirty="0" err="1"/>
+              <a:t>model.fit</a:t>
+            </a:r>
+            <a:r>
+              <a:rPr lang="en-US" altLang="zh-CN" dirty="0"/>
+              <a:t>(</a:t>
+            </a:r>
+            <a:r>
+              <a:rPr lang="en-US" altLang="zh-CN" dirty="0" err="1"/>
+              <a:t>train_x</a:t>
+            </a:r>
+            <a:r>
+              <a:rPr lang="en-US" altLang="zh-CN" dirty="0"/>
+              <a:t>, </a:t>
+            </a:r>
+            <a:r>
+              <a:rPr lang="en-US" altLang="zh-CN" dirty="0" err="1"/>
+              <a:t>train_y</a:t>
+            </a:r>
+            <a:r>
+              <a:rPr lang="en-US" altLang="zh-CN" dirty="0"/>
+              <a:t>, epochs=epoch, </a:t>
+            </a:r>
+            <a:r>
+              <a:rPr lang="en-US" altLang="zh-CN" dirty="0" err="1"/>
+              <a:t>batch_size</a:t>
+            </a:r>
+            <a:r>
+              <a:rPr lang="en-US" altLang="zh-CN" dirty="0"/>
+              <a:t>=</a:t>
+            </a:r>
+            <a:r>
+              <a:rPr lang="en-US" altLang="zh-CN" dirty="0" err="1"/>
+              <a:t>batch_size</a:t>
+            </a:r>
+            <a:r>
+              <a:rPr lang="en-US" altLang="zh-CN" dirty="0" smtClean="0"/>
+              <a:t>,)</a:t>
+            </a:r>
+            <a:endParaRPr lang="en-US" altLang="zh-CN" dirty="0"/>
+          </a:p>
+        </p:txBody>
+      </p:sp>
+      <p:sp>
+        <p:nvSpPr>
+          <p:cNvPr id="3" name="标题 2"/>
+          <p:cNvSpPr>
+            <a:spLocks noGrp="1"/>
+          </p:cNvSpPr>
+          <p:nvPr>
+            <p:ph type="title"/>
+          </p:nvPr>
+        </p:nvSpPr>
+        <p:spPr/>
+        <p:txBody>
+          <a:bodyPr/>
+          <a:lstStyle/>
+          <a:p>
+            <a:r>
+              <a:rPr lang="en-US" altLang="zh-CN" dirty="0"/>
+              <a:t>Keras</a:t>
+            </a:r>
+            <a:r>
+              <a:rPr lang="zh-CN" altLang="en-US" dirty="0"/>
+              <a:t>版</a:t>
+            </a:r>
+          </a:p>
+        </p:txBody>
+      </p:sp>
+    </p:spTree>
+    <p:extLst>
+      <p:ext uri="{BB962C8B-B14F-4D97-AF65-F5344CB8AC3E}">
+        <p14:creationId xmlns:p14="http://schemas.microsoft.com/office/powerpoint/2010/main" val="4220223490"/>
+      </p:ext>
+    </p:extLst>
+  </p:cSld>
+  <p:clrMapOvr>
+    <a:masterClrMapping/>
+  </p:clrMapOvr>
+</p:sld>
+</file>
+
+<file path=ppt/slides/slide23.xml><?xml version="1.0" encoding="utf-8"?>
+<p:sld xmlns:a="http://schemas.openxmlformats.org/drawingml/2006/main" xmlns:r="http://schemas.openxmlformats.org/officeDocument/2006/relationships" xmlns:p="http://schemas.openxmlformats.org/presentationml/2006/main">
+  <p:cSld>
+    <p:spTree>
+      <p:nvGrpSpPr>
+        <p:cNvPr id="1" name=""/>
+        <p:cNvGrpSpPr/>
+        <p:nvPr/>
+      </p:nvGrpSpPr>
+      <p:grpSpPr>
+        <a:xfrm>
+          <a:off x="0" y="0"/>
+          <a:ext cx="0" cy="0"/>
+          <a:chOff x="0" y="0"/>
+          <a:chExt cx="0" cy="0"/>
+        </a:xfrm>
+      </p:grpSpPr>
+      <p:sp>
+        <p:nvSpPr>
+          <p:cNvPr id="2" name="内容占位符 1"/>
+          <p:cNvSpPr>
+            <a:spLocks noGrp="1"/>
+          </p:cNvSpPr>
+          <p:nvPr>
+            <p:ph sz="half" idx="2"/>
+          </p:nvPr>
+        </p:nvSpPr>
+        <p:spPr/>
+        <p:txBody>
+          <a:bodyPr/>
+          <a:lstStyle/>
+          <a:p>
+            <a:pPr marL="342900" indent="-342900">
+              <a:buFont typeface="Wingdings" panose="05000000000000000000" pitchFamily="2" charset="2"/>
+              <a:buChar char="l"/>
+            </a:pPr>
+            <a:r>
+              <a:rPr lang="en-US" altLang="zh-CN" dirty="0"/>
+              <a:t>Get the Weights</a:t>
+            </a:r>
+          </a:p>
+          <a:p>
+            <a:endParaRPr lang="en-US" altLang="zh-CN" dirty="0"/>
+          </a:p>
+          <a:p>
+            <a:r>
+              <a:rPr lang="en-US" altLang="zh-CN" dirty="0"/>
+              <a:t>print(</a:t>
+            </a:r>
+            <a:r>
+              <a:rPr lang="en-US" altLang="zh-CN" dirty="0" err="1"/>
+              <a:t>model.layers</a:t>
+            </a:r>
+            <a:r>
+              <a:rPr lang="en-US" altLang="zh-CN" dirty="0"/>
+              <a:t>[1].</a:t>
+            </a:r>
+            <a:r>
+              <a:rPr lang="en-US" altLang="zh-CN" dirty="0" err="1"/>
+              <a:t>get_weights</a:t>
+            </a:r>
+            <a:r>
+              <a:rPr lang="en-US" altLang="zh-CN" dirty="0"/>
+              <a:t>())</a:t>
+            </a:r>
+          </a:p>
+          <a:p>
+            <a:endParaRPr lang="en-US" altLang="zh-CN" dirty="0" smtClean="0"/>
+          </a:p>
+          <a:p>
+            <a:pPr marL="342900" indent="-342900">
+              <a:buFont typeface="Wingdings" panose="05000000000000000000" pitchFamily="2" charset="2"/>
+              <a:buChar char="l"/>
+            </a:pPr>
+            <a:r>
+              <a:rPr lang="en-US" altLang="zh-CN" dirty="0" smtClean="0"/>
+              <a:t>Predict</a:t>
+            </a:r>
+          </a:p>
+          <a:p>
+            <a:endParaRPr lang="en-US" altLang="zh-CN" dirty="0" smtClean="0"/>
+          </a:p>
+          <a:p>
+            <a:r>
+              <a:rPr lang="en-US" altLang="zh-CN" dirty="0"/>
+              <a:t>print(</a:t>
+            </a:r>
+            <a:r>
+              <a:rPr lang="en-US" altLang="zh-CN" dirty="0" err="1"/>
+              <a:t>model.predict</a:t>
+            </a:r>
+            <a:r>
+              <a:rPr lang="en-US" altLang="zh-CN" dirty="0"/>
+              <a:t>(</a:t>
+            </a:r>
+            <a:r>
+              <a:rPr lang="en-US" altLang="zh-CN" dirty="0" err="1"/>
+              <a:t>np.array</a:t>
+            </a:r>
+            <a:r>
+              <a:rPr lang="en-US" altLang="zh-CN" dirty="0"/>
+              <a:t>([[0.25, 0.25, 0.25]])))</a:t>
+            </a:r>
+            <a:endParaRPr lang="zh-CN" altLang="en-US" dirty="0"/>
+          </a:p>
+          <a:p>
+            <a:endParaRPr lang="en-US" altLang="zh-CN" dirty="0"/>
+          </a:p>
+          <a:p>
+            <a:r>
+              <a:rPr lang="en-US" altLang="zh-CN" dirty="0"/>
+              <a:t>Q1: w end and b end?</a:t>
+            </a:r>
+          </a:p>
+          <a:p>
+            <a:r>
+              <a:rPr lang="en-US" altLang="zh-CN" dirty="0"/>
+              <a:t>Q2: By inputting x_1 = 0.25, x_2 = 0.25 and x_3 = 0.25, what’s the predicted result of y?</a:t>
+            </a:r>
+            <a:endParaRPr lang="zh-CN" altLang="en-US" dirty="0"/>
+          </a:p>
+          <a:p>
+            <a:endParaRPr lang="zh-CN" altLang="en-US" dirty="0"/>
+          </a:p>
+        </p:txBody>
+      </p:sp>
+      <p:sp>
+        <p:nvSpPr>
+          <p:cNvPr id="3" name="标题 2"/>
+          <p:cNvSpPr>
+            <a:spLocks noGrp="1"/>
+          </p:cNvSpPr>
+          <p:nvPr>
+            <p:ph type="title"/>
+          </p:nvPr>
+        </p:nvSpPr>
+        <p:spPr/>
+        <p:txBody>
+          <a:bodyPr/>
+          <a:lstStyle/>
+          <a:p>
+            <a:r>
+              <a:rPr lang="en-US" altLang="zh-CN" dirty="0" smtClean="0"/>
+              <a:t>Keras</a:t>
+            </a:r>
+            <a:r>
+              <a:rPr lang="zh-CN" altLang="en-US" dirty="0" smtClean="0"/>
+              <a:t>版</a:t>
+            </a:r>
+            <a:endParaRPr lang="zh-CN" altLang="en-US" dirty="0"/>
+          </a:p>
+        </p:txBody>
+      </p:sp>
+    </p:spTree>
+    <p:extLst>
+      <p:ext uri="{BB962C8B-B14F-4D97-AF65-F5344CB8AC3E}">
+        <p14:creationId xmlns:p14="http://schemas.microsoft.com/office/powerpoint/2010/main" val="2723177608"/>
       </p:ext>
     </p:extLst>
   </p:cSld>

--- a/chapter 01 - Linear regression with one variable/Programming Task/LinearRegression.pptx
+++ b/chapter 01 - Linear regression with one variable/Programming Task/LinearRegression.pptx
@@ -36,19 +36,19 @@
   <p:notesSz cx="6858000" cy="9144000"/>
   <p:embeddedFontLst>
     <p:embeddedFont>
-      <p:font typeface="Calibri" panose="020F0502020204030204" pitchFamily="34" charset="0"/>
+      <p:font typeface="腾祥嘉丽线黑简" panose="02010600030101010101" charset="-122"/>
       <p:regular r:id="rId26"/>
-      <p:bold r:id="rId27"/>
-      <p:italic r:id="rId28"/>
-      <p:boldItalic r:id="rId29"/>
-    </p:embeddedFont>
-    <p:embeddedFont>
-      <p:font typeface="腾祥嘉丽线黑简" panose="02010600030101010101" charset="-122"/>
-      <p:regular r:id="rId30"/>
     </p:embeddedFont>
     <p:embeddedFont>
       <p:font typeface="Open Sans Light" panose="020B0604020202020204" charset="0"/>
-      <p:regular r:id="rId31"/>
+      <p:regular r:id="rId27"/>
+    </p:embeddedFont>
+    <p:embeddedFont>
+      <p:font typeface="Calibri" panose="020F0502020204030204" pitchFamily="34" charset="0"/>
+      <p:regular r:id="rId28"/>
+      <p:bold r:id="rId29"/>
+      <p:italic r:id="rId30"/>
+      <p:boldItalic r:id="rId31"/>
     </p:embeddedFont>
   </p:embeddedFontLst>
   <p:defaultTextStyle>
@@ -278,7 +278,7 @@
           <a:p>
             <a:fld id="{E91DDA70-9ABB-48BD-AFA1-521354C93EB2}" type="datetimeFigureOut">
               <a:rPr lang="zh-CN" altLang="en-US" smtClean="0"/>
-              <a:t>2018/3/10</a:t>
+              <a:t>2018/3/15</a:t>
             </a:fld>
             <a:endParaRPr lang="zh-CN" altLang="en-US"/>
           </a:p>
@@ -744,7 +744,7 @@
           <a:p>
             <a:fld id="{BF353E24-75C5-4466-B8AD-0A8FC8EA8740}" type="datetimeFigureOut">
               <a:rPr lang="zh-CN" altLang="en-US" smtClean="0"/>
-              <a:t>2018/3/10</a:t>
+              <a:t>2018/3/15</a:t>
             </a:fld>
             <a:endParaRPr lang="zh-CN" altLang="en-US"/>
           </a:p>
@@ -1552,7 +1552,7 @@
           <a:p>
             <a:fld id="{BF353E24-75C5-4466-B8AD-0A8FC8EA8740}" type="datetimeFigureOut">
               <a:rPr lang="zh-CN" altLang="en-US" smtClean="0"/>
-              <a:t>2018/3/10</a:t>
+              <a:t>2018/3/15</a:t>
             </a:fld>
             <a:endParaRPr lang="zh-CN" altLang="en-US"/>
           </a:p>
@@ -1923,7 +1923,7 @@
             <a:fld id="{BF353E24-75C5-4466-B8AD-0A8FC8EA8740}" type="datetimeFigureOut">
               <a:rPr lang="zh-CN" altLang="en-US" smtClean="0"/>
               <a:pPr/>
-              <a:t>2018/3/10</a:t>
+              <a:t>2018/3/15</a:t>
             </a:fld>
             <a:endParaRPr lang="zh-CN" altLang="en-US" dirty="0"/>
           </a:p>
@@ -2520,7 +2520,7 @@
           <a:p>
             <a:fld id="{BF353E24-75C5-4466-B8AD-0A8FC8EA8740}" type="datetimeFigureOut">
               <a:rPr lang="zh-CN" altLang="en-US" smtClean="0"/>
-              <a:t>2018/3/10</a:t>
+              <a:t>2018/3/15</a:t>
             </a:fld>
             <a:endParaRPr lang="zh-CN" altLang="en-US"/>
           </a:p>
@@ -2950,7 +2950,7 @@
           <a:p>
             <a:fld id="{BF353E24-75C5-4466-B8AD-0A8FC8EA8740}" type="datetimeFigureOut">
               <a:rPr lang="zh-CN" altLang="en-US" smtClean="0"/>
-              <a:t>2018/3/10</a:t>
+              <a:t>2018/3/15</a:t>
             </a:fld>
             <a:endParaRPr lang="zh-CN" altLang="en-US"/>
           </a:p>
@@ -3849,7 +3849,7 @@
           <a:p>
             <a:fld id="{BF353E24-75C5-4466-B8AD-0A8FC8EA8740}" type="datetimeFigureOut">
               <a:rPr lang="zh-CN" altLang="en-US" smtClean="0"/>
-              <a:t>2018/3/10</a:t>
+              <a:t>2018/3/15</a:t>
             </a:fld>
             <a:endParaRPr lang="zh-CN" altLang="en-US"/>
           </a:p>
@@ -4235,7 +4235,7 @@
           <a:p>
             <a:fld id="{BF353E24-75C5-4466-B8AD-0A8FC8EA8740}" type="datetimeFigureOut">
               <a:rPr lang="zh-CN" altLang="en-US" smtClean="0"/>
-              <a:t>2018/3/10</a:t>
+              <a:t>2018/3/15</a:t>
             </a:fld>
             <a:endParaRPr lang="zh-CN" altLang="en-US"/>
           </a:p>
@@ -4450,7 +4450,7 @@
           <a:p>
             <a:fld id="{BF353E24-75C5-4466-B8AD-0A8FC8EA8740}" type="datetimeFigureOut">
               <a:rPr lang="zh-CN" altLang="en-US" smtClean="0"/>
-              <a:t>2018/3/10</a:t>
+              <a:t>2018/3/15</a:t>
             </a:fld>
             <a:endParaRPr lang="zh-CN" altLang="en-US"/>
           </a:p>
@@ -4684,7 +4684,7 @@
             <a:fld id="{BF353E24-75C5-4466-B8AD-0A8FC8EA8740}" type="datetimeFigureOut">
               <a:rPr lang="zh-CN" altLang="en-US" smtClean="0"/>
               <a:pPr/>
-              <a:t>2018/3/10</a:t>
+              <a:t>2018/3/15</a:t>
             </a:fld>
             <a:endParaRPr lang="zh-CN" altLang="en-US"/>
           </a:p>
@@ -5359,6 +5359,13 @@
   <p:clrMapOvr>
     <a:masterClrMapping/>
   </p:clrMapOvr>
+  <p:timing>
+    <p:tnLst>
+      <p:par>
+        <p:cTn id="1" dur="indefinite" restart="never" nodeType="tmRoot"/>
+      </p:par>
+    </p:tnLst>
+  </p:timing>
 </p:sld>
 </file>
 
@@ -5474,12 +5481,35 @@
           </a:p>
           <a:p>
             <a:r>
-              <a:rPr lang="en-US" altLang="zh-CN" dirty="0" err="1"/>
+              <a:rPr lang="en-US" altLang="zh-CN" dirty="0"/>
+              <a:t>from </a:t>
+            </a:r>
+            <a:r>
+              <a:rPr lang="en-US" altLang="zh-CN" dirty="0" err="1"/>
+              <a:t>sklearn.linear_model</a:t>
+            </a:r>
+            <a:r>
+              <a:rPr lang="en-US" altLang="zh-CN" dirty="0"/>
+              <a:t> import </a:t>
+            </a:r>
+            <a:r>
+              <a:rPr lang="en-US" altLang="zh-CN" dirty="0" err="1"/>
+              <a:t>LinearRegression</a:t>
+            </a:r>
+            <a:endParaRPr lang="en-US" altLang="zh-CN" dirty="0"/>
+          </a:p>
+          <a:p>
+            <a:r>
+              <a:rPr lang="en-US" altLang="zh-CN" dirty="0" err="1" smtClean="0"/>
               <a:t>lr</a:t>
             </a:r>
             <a:r>
-              <a:rPr lang="en-US" altLang="zh-CN" dirty="0"/>
-              <a:t> = </a:t>
+              <a:rPr lang="en-US" altLang="zh-CN" dirty="0" smtClean="0"/>
+              <a:t> </a:t>
+            </a:r>
+            <a:r>
+              <a:rPr lang="en-US" altLang="zh-CN" dirty="0"/>
+              <a:t>= </a:t>
             </a:r>
             <a:r>
               <a:rPr lang="en-US" altLang="zh-CN" dirty="0" err="1"/>
@@ -5529,6 +5559,13 @@
   <p:clrMapOvr>
     <a:masterClrMapping/>
   </p:clrMapOvr>
+  <p:timing>
+    <p:tnLst>
+      <p:par>
+        <p:cTn id="1" dur="indefinite" restart="never" nodeType="tmRoot"/>
+      </p:par>
+    </p:tnLst>
+  </p:timing>
 </p:sld>
 </file>
 
@@ -5736,6 +5773,13 @@
   <p:clrMapOvr>
     <a:masterClrMapping/>
   </p:clrMapOvr>
+  <p:timing>
+    <p:tnLst>
+      <p:par>
+        <p:cTn id="1" dur="indefinite" restart="never" nodeType="tmRoot"/>
+      </p:par>
+    </p:tnLst>
+  </p:timing>
 </p:sld>
 </file>
 
@@ -5931,6 +5975,13 @@
   <p:clrMapOvr>
     <a:masterClrMapping/>
   </p:clrMapOvr>
+  <p:timing>
+    <p:tnLst>
+      <p:par>
+        <p:cTn id="1" dur="indefinite" restart="never" nodeType="tmRoot"/>
+      </p:par>
+    </p:tnLst>
+  </p:timing>
 </p:sld>
 </file>
 
@@ -6086,6 +6137,13 @@
   <p:clrMapOvr>
     <a:masterClrMapping/>
   </p:clrMapOvr>
+  <p:timing>
+    <p:tnLst>
+      <p:par>
+        <p:cTn id="1" dur="indefinite" restart="never" nodeType="tmRoot"/>
+      </p:par>
+    </p:tnLst>
+  </p:timing>
 </p:sld>
 </file>
 
@@ -6301,11 +6359,7 @@
             </a:r>
             <a:r>
               <a:rPr lang="en-US" altLang="zh-CN" dirty="0" smtClean="0"/>
-              <a:t>([[0.25</a:t>
-            </a:r>
-            <a:r>
-              <a:rPr lang="en-US" altLang="zh-CN" dirty="0" smtClean="0"/>
-              <a:t>]])))</a:t>
+              <a:t>([[0.25]])))</a:t>
             </a:r>
           </a:p>
           <a:p>
@@ -6365,6 +6419,13 @@
   <p:clrMapOvr>
     <a:masterClrMapping/>
   </p:clrMapOvr>
+  <p:timing>
+    <p:tnLst>
+      <p:par>
+        <p:cTn id="1" dur="indefinite" restart="never" nodeType="tmRoot"/>
+      </p:par>
+    </p:tnLst>
+  </p:timing>
 </p:sld>
 </file>
 
@@ -6579,6 +6640,13 @@
   <p:clrMapOvr>
     <a:masterClrMapping/>
   </p:clrMapOvr>
+  <p:timing>
+    <p:tnLst>
+      <p:par>
+        <p:cTn id="1" dur="indefinite" restart="never" nodeType="tmRoot"/>
+      </p:par>
+    </p:tnLst>
+  </p:timing>
 </p:sld>
 </file>
 
